--- a/presentation/AsyncAllTheThings.pptx
+++ b/presentation/AsyncAllTheThings.pptx
@@ -270,7 +270,7 @@
           <a:p>
             <a:fld id="{21DC8992-6760-4568-B836-8A41DAB74142}" type="datetimeFigureOut">
               <a:rPr lang="pt-PT" smtClean="0"/>
-              <a:t>04/05/2021</a:t>
+              <a:t>05/05/2021</a:t>
             </a:fld>
             <a:endParaRPr lang="pt-PT"/>
           </a:p>
@@ -440,7 +440,7 @@
           <a:p>
             <a:fld id="{21DC8992-6760-4568-B836-8A41DAB74142}" type="datetimeFigureOut">
               <a:rPr lang="pt-PT" smtClean="0"/>
-              <a:t>04/05/2021</a:t>
+              <a:t>05/05/2021</a:t>
             </a:fld>
             <a:endParaRPr lang="pt-PT"/>
           </a:p>
@@ -620,7 +620,7 @@
           <a:p>
             <a:fld id="{21DC8992-6760-4568-B836-8A41DAB74142}" type="datetimeFigureOut">
               <a:rPr lang="pt-PT" smtClean="0"/>
-              <a:t>04/05/2021</a:t>
+              <a:t>05/05/2021</a:t>
             </a:fld>
             <a:endParaRPr lang="pt-PT"/>
           </a:p>
@@ -790,7 +790,7 @@
           <a:p>
             <a:fld id="{21DC8992-6760-4568-B836-8A41DAB74142}" type="datetimeFigureOut">
               <a:rPr lang="pt-PT" smtClean="0"/>
-              <a:t>04/05/2021</a:t>
+              <a:t>05/05/2021</a:t>
             </a:fld>
             <a:endParaRPr lang="pt-PT"/>
           </a:p>
@@ -1036,7 +1036,7 @@
           <a:p>
             <a:fld id="{21DC8992-6760-4568-B836-8A41DAB74142}" type="datetimeFigureOut">
               <a:rPr lang="pt-PT" smtClean="0"/>
-              <a:t>04/05/2021</a:t>
+              <a:t>05/05/2021</a:t>
             </a:fld>
             <a:endParaRPr lang="pt-PT"/>
           </a:p>
@@ -1268,7 +1268,7 @@
           <a:p>
             <a:fld id="{21DC8992-6760-4568-B836-8A41DAB74142}" type="datetimeFigureOut">
               <a:rPr lang="pt-PT" smtClean="0"/>
-              <a:t>04/05/2021</a:t>
+              <a:t>05/05/2021</a:t>
             </a:fld>
             <a:endParaRPr lang="pt-PT"/>
           </a:p>
@@ -1635,7 +1635,7 @@
           <a:p>
             <a:fld id="{21DC8992-6760-4568-B836-8A41DAB74142}" type="datetimeFigureOut">
               <a:rPr lang="pt-PT" smtClean="0"/>
-              <a:t>04/05/2021</a:t>
+              <a:t>05/05/2021</a:t>
             </a:fld>
             <a:endParaRPr lang="pt-PT"/>
           </a:p>
@@ -1753,7 +1753,7 @@
           <a:p>
             <a:fld id="{21DC8992-6760-4568-B836-8A41DAB74142}" type="datetimeFigureOut">
               <a:rPr lang="pt-PT" smtClean="0"/>
-              <a:t>04/05/2021</a:t>
+              <a:t>05/05/2021</a:t>
             </a:fld>
             <a:endParaRPr lang="pt-PT"/>
           </a:p>
@@ -1848,7 +1848,7 @@
           <a:p>
             <a:fld id="{21DC8992-6760-4568-B836-8A41DAB74142}" type="datetimeFigureOut">
               <a:rPr lang="pt-PT" smtClean="0"/>
-              <a:t>04/05/2021</a:t>
+              <a:t>05/05/2021</a:t>
             </a:fld>
             <a:endParaRPr lang="pt-PT"/>
           </a:p>
@@ -2125,7 +2125,7 @@
           <a:p>
             <a:fld id="{21DC8992-6760-4568-B836-8A41DAB74142}" type="datetimeFigureOut">
               <a:rPr lang="pt-PT" smtClean="0"/>
-              <a:t>04/05/2021</a:t>
+              <a:t>05/05/2021</a:t>
             </a:fld>
             <a:endParaRPr lang="pt-PT"/>
           </a:p>
@@ -2382,7 +2382,7 @@
           <a:p>
             <a:fld id="{21DC8992-6760-4568-B836-8A41DAB74142}" type="datetimeFigureOut">
               <a:rPr lang="pt-PT" smtClean="0"/>
-              <a:t>04/05/2021</a:t>
+              <a:t>05/05/2021</a:t>
             </a:fld>
             <a:endParaRPr lang="pt-PT"/>
           </a:p>
@@ -2595,7 +2595,7 @@
           <a:p>
             <a:fld id="{21DC8992-6760-4568-B836-8A41DAB74142}" type="datetimeFigureOut">
               <a:rPr lang="pt-PT" smtClean="0"/>
-              <a:t>04/05/2021</a:t>
+              <a:t>05/05/2021</a:t>
             </a:fld>
             <a:endParaRPr lang="pt-PT"/>
           </a:p>
@@ -4596,42 +4596,6 @@
           </p:txBody>
         </p:sp>
       </p:grpSp>
-      <p:pic>
-        <p:nvPicPr>
-          <p:cNvPr id="11" name="Picture 10">
-            <a:extLst>
-              <a:ext uri="{FF2B5EF4-FFF2-40B4-BE49-F238E27FC236}">
-                <a16:creationId xmlns:a16="http://schemas.microsoft.com/office/drawing/2014/main" id="{CED6BF98-F104-40F8-9736-15663D1FBB6C}"/>
-              </a:ext>
-            </a:extLst>
-          </p:cNvPr>
-          <p:cNvPicPr>
-            <a:picLocks noChangeAspect="1"/>
-          </p:cNvPicPr>
-          <p:nvPr/>
-        </p:nvPicPr>
-        <p:blipFill>
-          <a:blip r:embed="rId5">
-            <a:extLst>
-              <a:ext uri="{28A0092B-C50C-407E-A947-70E740481C1C}">
-                <a14:useLocalDpi xmlns:a14="http://schemas.microsoft.com/office/drawing/2010/main" val="0"/>
-              </a:ext>
-            </a:extLst>
-          </a:blip>
-          <a:stretch>
-            <a:fillRect/>
-          </a:stretch>
-        </p:blipFill>
-        <p:spPr>
-          <a:xfrm>
-            <a:off x="9901430" y="2407983"/>
-            <a:ext cx="432000" cy="432000"/>
-          </a:xfrm>
-          <a:prstGeom prst="rect">
-            <a:avLst/>
-          </a:prstGeom>
-        </p:spPr>
-      </p:pic>
       <p:grpSp>
         <p:nvGrpSpPr>
           <p:cNvPr id="12" name="Group 11">
@@ -4646,7 +4610,7 @@
         </p:nvGrpSpPr>
         <p:grpSpPr>
           <a:xfrm>
-            <a:off x="838200" y="3375169"/>
+            <a:off x="853256" y="3517866"/>
             <a:ext cx="984565" cy="1076261"/>
             <a:chOff x="838200" y="1440820"/>
             <a:chExt cx="984565" cy="1076261"/>
@@ -4738,7 +4702,7 @@
         </p:nvGrpSpPr>
         <p:grpSpPr>
           <a:xfrm>
-            <a:off x="869422" y="4664994"/>
+            <a:off x="869423" y="4858064"/>
             <a:ext cx="984565" cy="1076261"/>
             <a:chOff x="838200" y="1440820"/>
             <a:chExt cx="984565" cy="1076261"/>
@@ -4877,8 +4841,8 @@
         </p:nvCxnSpPr>
         <p:spPr>
           <a:xfrm>
-            <a:off x="1690482" y="4091430"/>
-            <a:ext cx="3693046" cy="180000"/>
+            <a:off x="1705538" y="4234127"/>
+            <a:ext cx="3677990" cy="37303"/>
           </a:xfrm>
           <a:prstGeom prst="straightConnector1">
             <a:avLst/>
@@ -4913,14 +4877,15 @@
           </p:cNvPr>
           <p:cNvCxnSpPr>
             <a:cxnSpLocks/>
+            <a:stCxn id="16" idx="3"/>
             <a:endCxn id="5" idx="1"/>
           </p:cNvCxnSpPr>
           <p:nvPr/>
         </p:nvCxnSpPr>
         <p:spPr>
           <a:xfrm flipV="1">
-            <a:off x="1605776" y="4271430"/>
-            <a:ext cx="3777752" cy="1109826"/>
+            <a:off x="1721705" y="4271430"/>
+            <a:ext cx="3661823" cy="1302895"/>
           </a:xfrm>
           <a:prstGeom prst="straightConnector1">
             <a:avLst/>
@@ -5296,8 +5261,8 @@
         </p:nvSpPr>
         <p:spPr>
           <a:xfrm>
-            <a:off x="8823277" y="2431194"/>
-            <a:ext cx="1024639" cy="369332"/>
+            <a:off x="8606366" y="2436393"/>
+            <a:ext cx="1879041" cy="369332"/>
           </a:xfrm>
           <a:prstGeom prst="rect">
             <a:avLst/>
@@ -5316,7 +5281,131 @@
             </a:r>
             <a:r>
               <a:rPr lang="en-US" dirty="0"/>
-              <a:t>locked</a:t>
+              <a:t>locked threads</a:t>
+            </a:r>
+          </a:p>
+        </p:txBody>
+      </p:sp>
+      <p:sp>
+        <p:nvSpPr>
+          <p:cNvPr id="7" name="Speech Bubble: Rectangle with Corners Rounded 6">
+            <a:extLst>
+              <a:ext uri="{FF2B5EF4-FFF2-40B4-BE49-F238E27FC236}">
+                <a16:creationId xmlns:a16="http://schemas.microsoft.com/office/drawing/2014/main" id="{1538B982-357F-4AC9-93FA-1466AD48C57E}"/>
+              </a:ext>
+            </a:extLst>
+          </p:cNvPr>
+          <p:cNvSpPr/>
+          <p:nvPr/>
+        </p:nvSpPr>
+        <p:spPr>
+          <a:xfrm rot="10800000">
+            <a:off x="4659256" y="5251564"/>
+            <a:ext cx="1955300" cy="904776"/>
+          </a:xfrm>
+          <a:prstGeom prst="wedgeRoundRectCallout">
+            <a:avLst/>
+          </a:prstGeom>
+          <a:noFill/>
+          <a:ln w="9525" cap="flat" cmpd="sng" algn="ctr">
+            <a:solidFill>
+              <a:schemeClr val="dk1"/>
+            </a:solidFill>
+            <a:prstDash val="solid"/>
+            <a:round/>
+            <a:headEnd type="none" w="med" len="med"/>
+            <a:tailEnd type="none" w="med" len="med"/>
+          </a:ln>
+        </p:spPr>
+        <p:style>
+          <a:lnRef idx="0">
+            <a:scrgbClr r="0" g="0" b="0"/>
+          </a:lnRef>
+          <a:fillRef idx="0">
+            <a:scrgbClr r="0" g="0" b="0"/>
+          </a:fillRef>
+          <a:effectRef idx="0">
+            <a:scrgbClr r="0" g="0" b="0"/>
+          </a:effectRef>
+          <a:fontRef idx="minor">
+            <a:schemeClr val="dk1"/>
+          </a:fontRef>
+        </p:style>
+        <p:txBody>
+          <a:bodyPr rtlCol="0" anchor="ctr"/>
+          <a:lstStyle/>
+          <a:p>
+            <a:pPr algn="ctr"/>
+            <a:endParaRPr lang="en-US"/>
+          </a:p>
+        </p:txBody>
+      </p:sp>
+      <p:sp>
+        <p:nvSpPr>
+          <p:cNvPr id="10" name="TextBox 9">
+            <a:extLst>
+              <a:ext uri="{FF2B5EF4-FFF2-40B4-BE49-F238E27FC236}">
+                <a16:creationId xmlns:a16="http://schemas.microsoft.com/office/drawing/2014/main" id="{E05DD10D-44FD-4DFF-BBBD-768D432FE69F}"/>
+              </a:ext>
+            </a:extLst>
+          </p:cNvPr>
+          <p:cNvSpPr txBox="1"/>
+          <p:nvPr/>
+        </p:nvSpPr>
+        <p:spPr>
+          <a:xfrm>
+            <a:off x="4641279" y="5334620"/>
+            <a:ext cx="1991251" cy="369332"/>
+          </a:xfrm>
+          <a:prstGeom prst="rect">
+            <a:avLst/>
+          </a:prstGeom>
+          <a:noFill/>
+        </p:spPr>
+        <p:txBody>
+          <a:bodyPr wrap="none" rtlCol="0">
+            <a:spAutoFit/>
+          </a:bodyPr>
+          <a:lstStyle/>
+          <a:p>
+            <a:r>
+              <a:rPr lang="en-US" dirty="0"/>
+              <a:t>Blocked requests</a:t>
+            </a:r>
+          </a:p>
+        </p:txBody>
+      </p:sp>
+      <p:sp>
+        <p:nvSpPr>
+          <p:cNvPr id="19" name="TextBox 18">
+            <a:extLst>
+              <a:ext uri="{FF2B5EF4-FFF2-40B4-BE49-F238E27FC236}">
+                <a16:creationId xmlns:a16="http://schemas.microsoft.com/office/drawing/2014/main" id="{B6A22095-21C7-41CD-B905-0DA02A053125}"/>
+              </a:ext>
+            </a:extLst>
+          </p:cNvPr>
+          <p:cNvSpPr txBox="1"/>
+          <p:nvPr/>
+        </p:nvSpPr>
+        <p:spPr>
+          <a:xfrm>
+            <a:off x="5408316" y="5685288"/>
+            <a:ext cx="457176" cy="369332"/>
+          </a:xfrm>
+          <a:prstGeom prst="rect">
+            <a:avLst/>
+          </a:prstGeom>
+          <a:noFill/>
+        </p:spPr>
+        <p:txBody>
+          <a:bodyPr wrap="none" rtlCol="0">
+            <a:spAutoFit/>
+          </a:bodyPr>
+          <a:lstStyle/>
+          <a:p>
+            <a:r>
+              <a:rPr lang="en-US" dirty="0"/>
+              <a:t>C3</a:t>
             </a:r>
           </a:p>
         </p:txBody>
@@ -5813,7 +5902,7 @@
                             </p:stCondLst>
                             <p:childTnLst>
                               <p:par>
-                                <p:cTn id="47" presetID="10" presetClass="entr" presetSubtype="0" fill="hold" nodeType="clickEffect">
+                                <p:cTn id="47" presetID="10" presetClass="entr" presetSubtype="0" fill="hold" grpId="0" nodeType="clickEffect">
                                   <p:stCondLst>
                                     <p:cond delay="0"/>
                                   </p:stCondLst>
@@ -5826,7 +5915,7 @@
                                           </p:stCondLst>
                                         </p:cTn>
                                         <p:tgtEl>
-                                          <p:spTgt spid="11"/>
+                                          <p:spTgt spid="47"/>
                                         </p:tgtEl>
                                         <p:attrNameLst>
                                           <p:attrName>style.visibility</p:attrName>
@@ -5840,7 +5929,7 @@
                                       <p:cBhvr>
                                         <p:cTn id="49" dur="500"/>
                                         <p:tgtEl>
-                                          <p:spTgt spid="11"/>
+                                          <p:spTgt spid="47"/>
                                         </p:tgtEl>
                                       </p:cBhvr>
                                     </p:animEffect>
@@ -5861,7 +5950,7 @@
                                           </p:stCondLst>
                                         </p:cTn>
                                         <p:tgtEl>
-                                          <p:spTgt spid="47"/>
+                                          <p:spTgt spid="48"/>
                                         </p:tgtEl>
                                         <p:attrNameLst>
                                           <p:attrName>style.visibility</p:attrName>
@@ -5874,41 +5963,6 @@
                                     <p:animEffect transition="in" filter="fade">
                                       <p:cBhvr>
                                         <p:cTn id="52" dur="500"/>
-                                        <p:tgtEl>
-                                          <p:spTgt spid="47"/>
-                                        </p:tgtEl>
-                                      </p:cBhvr>
-                                    </p:animEffect>
-                                  </p:childTnLst>
-                                </p:cTn>
-                              </p:par>
-                              <p:par>
-                                <p:cTn id="53" presetID="10" presetClass="entr" presetSubtype="0" fill="hold" grpId="0" nodeType="withEffect">
-                                  <p:stCondLst>
-                                    <p:cond delay="0"/>
-                                  </p:stCondLst>
-                                  <p:childTnLst>
-                                    <p:set>
-                                      <p:cBhvr>
-                                        <p:cTn id="54" dur="1" fill="hold">
-                                          <p:stCondLst>
-                                            <p:cond delay="0"/>
-                                          </p:stCondLst>
-                                        </p:cTn>
-                                        <p:tgtEl>
-                                          <p:spTgt spid="48"/>
-                                        </p:tgtEl>
-                                        <p:attrNameLst>
-                                          <p:attrName>style.visibility</p:attrName>
-                                        </p:attrNameLst>
-                                      </p:cBhvr>
-                                      <p:to>
-                                        <p:strVal val="visible"/>
-                                      </p:to>
-                                    </p:set>
-                                    <p:animEffect transition="in" filter="fade">
-                                      <p:cBhvr>
-                                        <p:cTn id="55" dur="500"/>
                                         <p:tgtEl>
                                           <p:spTgt spid="48"/>
                                         </p:tgtEl>
@@ -5924,26 +5978,26 @@
                     </p:cTn>
                   </p:par>
                   <p:par>
-                    <p:cTn id="56" fill="hold">
+                    <p:cTn id="53" fill="hold">
                       <p:stCondLst>
                         <p:cond delay="indefinite"/>
                       </p:stCondLst>
                       <p:childTnLst>
                         <p:par>
-                          <p:cTn id="57" fill="hold">
+                          <p:cTn id="54" fill="hold">
                             <p:stCondLst>
                               <p:cond delay="0"/>
                             </p:stCondLst>
                             <p:childTnLst>
                               <p:par>
-                                <p:cTn id="58" presetID="10" presetClass="entr" presetSubtype="0" fill="hold" grpId="0" nodeType="clickEffect">
+                                <p:cTn id="55" presetID="10" presetClass="entr" presetSubtype="0" fill="hold" grpId="0" nodeType="clickEffect">
                                   <p:stCondLst>
                                     <p:cond delay="0"/>
                                   </p:stCondLst>
                                   <p:childTnLst>
                                     <p:set>
                                       <p:cBhvr>
-                                        <p:cTn id="59" dur="1" fill="hold">
+                                        <p:cTn id="56" dur="1" fill="hold">
                                           <p:stCondLst>
                                             <p:cond delay="0"/>
                                           </p:stCondLst>
@@ -5961,7 +6015,7 @@
                                     </p:set>
                                     <p:animEffect transition="in" filter="fade">
                                       <p:cBhvr>
-                                        <p:cTn id="60" dur="500"/>
+                                        <p:cTn id="57" dur="500"/>
                                         <p:tgtEl>
                                           <p:spTgt spid="45"/>
                                         </p:tgtEl>
@@ -5977,26 +6031,26 @@
                     </p:cTn>
                   </p:par>
                   <p:par>
-                    <p:cTn id="61" fill="hold">
+                    <p:cTn id="58" fill="hold">
                       <p:stCondLst>
                         <p:cond delay="indefinite"/>
                       </p:stCondLst>
                       <p:childTnLst>
                         <p:par>
-                          <p:cTn id="62" fill="hold">
+                          <p:cTn id="59" fill="hold">
                             <p:stCondLst>
                               <p:cond delay="0"/>
                             </p:stCondLst>
                             <p:childTnLst>
                               <p:par>
-                                <p:cTn id="63" presetID="10" presetClass="exit" presetSubtype="0" fill="hold" nodeType="clickEffect">
+                                <p:cTn id="60" presetID="10" presetClass="exit" presetSubtype="0" fill="hold" nodeType="clickEffect">
                                   <p:stCondLst>
                                     <p:cond delay="0"/>
                                   </p:stCondLst>
                                   <p:childTnLst>
                                     <p:animEffect transition="out" filter="fade">
                                       <p:cBhvr>
-                                        <p:cTn id="64" dur="500"/>
+                                        <p:cTn id="61" dur="500"/>
                                         <p:tgtEl>
                                           <p:spTgt spid="31"/>
                                         </p:tgtEl>
@@ -6004,7 +6058,7 @@
                                     </p:animEffect>
                                     <p:set>
                                       <p:cBhvr>
-                                        <p:cTn id="65" dur="1" fill="hold">
+                                        <p:cTn id="62" dur="1" fill="hold">
                                           <p:stCondLst>
                                             <p:cond delay="499"/>
                                           </p:stCondLst>
@@ -6030,26 +6084,26 @@
                     </p:cTn>
                   </p:par>
                   <p:par>
-                    <p:cTn id="66" fill="hold">
+                    <p:cTn id="63" fill="hold">
                       <p:stCondLst>
                         <p:cond delay="indefinite"/>
                       </p:stCondLst>
                       <p:childTnLst>
                         <p:par>
-                          <p:cTn id="67" fill="hold">
+                          <p:cTn id="64" fill="hold">
                             <p:stCondLst>
                               <p:cond delay="0"/>
                             </p:stCondLst>
                             <p:childTnLst>
                               <p:par>
-                                <p:cTn id="68" presetID="10" presetClass="exit" presetSubtype="0" fill="hold" nodeType="clickEffect">
+                                <p:cTn id="65" presetID="10" presetClass="exit" presetSubtype="0" fill="hold" nodeType="clickEffect">
                                   <p:stCondLst>
                                     <p:cond delay="0"/>
                                   </p:stCondLst>
                                   <p:childTnLst>
                                     <p:animEffect transition="out" filter="fade">
                                       <p:cBhvr>
-                                        <p:cTn id="69" dur="500"/>
+                                        <p:cTn id="66" dur="500"/>
                                         <p:tgtEl>
                                           <p:spTgt spid="18"/>
                                         </p:tgtEl>
@@ -6057,7 +6111,7 @@
                                     </p:animEffect>
                                     <p:set>
                                       <p:cBhvr>
-                                        <p:cTn id="70" dur="1" fill="hold">
+                                        <p:cTn id="67" dur="1" fill="hold">
                                           <p:stCondLst>
                                             <p:cond delay="499"/>
                                           </p:stCondLst>
@@ -6083,26 +6137,26 @@
                     </p:cTn>
                   </p:par>
                   <p:par>
-                    <p:cTn id="71" fill="hold">
+                    <p:cTn id="68" fill="hold">
                       <p:stCondLst>
                         <p:cond delay="indefinite"/>
                       </p:stCondLst>
                       <p:childTnLst>
                         <p:par>
-                          <p:cTn id="72" fill="hold">
+                          <p:cTn id="69" fill="hold">
                             <p:stCondLst>
                               <p:cond delay="0"/>
                             </p:stCondLst>
                             <p:childTnLst>
                               <p:par>
-                                <p:cTn id="73" presetID="10" presetClass="entr" presetSubtype="0" fill="hold" nodeType="clickEffect">
+                                <p:cTn id="70" presetID="10" presetClass="entr" presetSubtype="0" fill="hold" nodeType="clickEffect">
                                   <p:stCondLst>
                                     <p:cond delay="0"/>
                                   </p:stCondLst>
                                   <p:childTnLst>
                                     <p:set>
                                       <p:cBhvr>
-                                        <p:cTn id="74" dur="1" fill="hold">
+                                        <p:cTn id="71" dur="1" fill="hold">
                                           <p:stCondLst>
                                             <p:cond delay="0"/>
                                           </p:stCondLst>
@@ -6120,7 +6174,7 @@
                                     </p:set>
                                     <p:animEffect transition="in" filter="fade">
                                       <p:cBhvr>
-                                        <p:cTn id="75" dur="500"/>
+                                        <p:cTn id="72" dur="500"/>
                                         <p:tgtEl>
                                           <p:spTgt spid="12"/>
                                         </p:tgtEl>
@@ -6136,26 +6190,26 @@
                     </p:cTn>
                   </p:par>
                   <p:par>
-                    <p:cTn id="76" fill="hold">
+                    <p:cTn id="73" fill="hold">
                       <p:stCondLst>
                         <p:cond delay="indefinite"/>
                       </p:stCondLst>
                       <p:childTnLst>
                         <p:par>
-                          <p:cTn id="77" fill="hold">
+                          <p:cTn id="74" fill="hold">
                             <p:stCondLst>
                               <p:cond delay="0"/>
                             </p:stCondLst>
                             <p:childTnLst>
                               <p:par>
-                                <p:cTn id="78" presetID="10" presetClass="entr" presetSubtype="0" fill="hold" nodeType="clickEffect">
+                                <p:cTn id="75" presetID="10" presetClass="entr" presetSubtype="0" fill="hold" nodeType="clickEffect">
                                   <p:stCondLst>
                                     <p:cond delay="0"/>
                                   </p:stCondLst>
                                   <p:childTnLst>
                                     <p:set>
                                       <p:cBhvr>
-                                        <p:cTn id="79" dur="1" fill="hold">
+                                        <p:cTn id="76" dur="1" fill="hold">
                                           <p:stCondLst>
                                             <p:cond delay="0"/>
                                           </p:stCondLst>
@@ -6173,7 +6227,7 @@
                                     </p:set>
                                     <p:animEffect transition="in" filter="fade">
                                       <p:cBhvr>
-                                        <p:cTn id="80" dur="500"/>
+                                        <p:cTn id="77" dur="500"/>
                                         <p:tgtEl>
                                           <p:spTgt spid="21"/>
                                         </p:tgtEl>
@@ -6189,26 +6243,26 @@
                     </p:cTn>
                   </p:par>
                   <p:par>
-                    <p:cTn id="81" fill="hold">
+                    <p:cTn id="78" fill="hold">
                       <p:stCondLst>
                         <p:cond delay="indefinite"/>
                       </p:stCondLst>
                       <p:childTnLst>
                         <p:par>
-                          <p:cTn id="82" fill="hold">
+                          <p:cTn id="79" fill="hold">
                             <p:stCondLst>
                               <p:cond delay="0"/>
                             </p:stCondLst>
                             <p:childTnLst>
                               <p:par>
-                                <p:cTn id="83" presetID="10" presetClass="exit" presetSubtype="0" fill="hold" grpId="1" nodeType="clickEffect">
+                                <p:cTn id="80" presetID="10" presetClass="exit" presetSubtype="0" fill="hold" grpId="1" nodeType="clickEffect">
                                   <p:stCondLst>
                                     <p:cond delay="0"/>
                                   </p:stCondLst>
                                   <p:childTnLst>
                                     <p:animEffect transition="out" filter="fade">
                                       <p:cBhvr>
-                                        <p:cTn id="84" dur="500"/>
+                                        <p:cTn id="81" dur="500"/>
                                         <p:tgtEl>
                                           <p:spTgt spid="37"/>
                                         </p:tgtEl>
@@ -6216,7 +6270,7 @@
                                     </p:animEffect>
                                     <p:set>
                                       <p:cBhvr>
-                                        <p:cTn id="85" dur="1" fill="hold">
+                                        <p:cTn id="82" dur="1" fill="hold">
                                           <p:stCondLst>
                                             <p:cond delay="499"/>
                                           </p:stCondLst>
@@ -6242,26 +6296,26 @@
                     </p:cTn>
                   </p:par>
                   <p:par>
-                    <p:cTn id="86" fill="hold">
+                    <p:cTn id="83" fill="hold">
                       <p:stCondLst>
                         <p:cond delay="indefinite"/>
                       </p:stCondLst>
                       <p:childTnLst>
                         <p:par>
-                          <p:cTn id="87" fill="hold">
+                          <p:cTn id="84" fill="hold">
                             <p:stCondLst>
                               <p:cond delay="0"/>
                             </p:stCondLst>
                             <p:childTnLst>
                               <p:par>
-                                <p:cTn id="88" presetID="10" presetClass="entr" presetSubtype="0" fill="hold" nodeType="clickEffect">
+                                <p:cTn id="85" presetID="10" presetClass="entr" presetSubtype="0" fill="hold" nodeType="clickEffect">
                                   <p:stCondLst>
                                     <p:cond delay="0"/>
                                   </p:stCondLst>
                                   <p:childTnLst>
                                     <p:set>
                                       <p:cBhvr>
-                                        <p:cTn id="89" dur="1" fill="hold">
+                                        <p:cTn id="86" dur="1" fill="hold">
                                           <p:stCondLst>
                                             <p:cond delay="0"/>
                                           </p:stCondLst>
@@ -6279,7 +6333,7 @@
                                     </p:set>
                                     <p:animEffect transition="in" filter="fade">
                                       <p:cBhvr>
-                                        <p:cTn id="90" dur="500"/>
+                                        <p:cTn id="87" dur="500"/>
                                         <p:tgtEl>
                                           <p:spTgt spid="31"/>
                                         </p:tgtEl>
@@ -6295,26 +6349,26 @@
                     </p:cTn>
                   </p:par>
                   <p:par>
-                    <p:cTn id="91" fill="hold">
+                    <p:cTn id="88" fill="hold">
                       <p:stCondLst>
                         <p:cond delay="indefinite"/>
                       </p:stCondLst>
                       <p:childTnLst>
                         <p:par>
-                          <p:cTn id="92" fill="hold">
+                          <p:cTn id="89" fill="hold">
                             <p:stCondLst>
                               <p:cond delay="0"/>
                             </p:stCondLst>
                             <p:childTnLst>
                               <p:par>
-                                <p:cTn id="93" presetID="10" presetClass="entr" presetSubtype="0" fill="hold" grpId="0" nodeType="clickEffect">
+                                <p:cTn id="90" presetID="10" presetClass="entr" presetSubtype="0" fill="hold" grpId="0" nodeType="clickEffect">
                                   <p:stCondLst>
                                     <p:cond delay="0"/>
                                   </p:stCondLst>
                                   <p:childTnLst>
                                     <p:set>
                                       <p:cBhvr>
-                                        <p:cTn id="94" dur="1" fill="hold">
+                                        <p:cTn id="91" dur="1" fill="hold">
                                           <p:stCondLst>
                                             <p:cond delay="0"/>
                                           </p:stCondLst>
@@ -6332,7 +6386,7 @@
                                     </p:set>
                                     <p:animEffect transition="in" filter="fade">
                                       <p:cBhvr>
-                                        <p:cTn id="95" dur="500"/>
+                                        <p:cTn id="92" dur="500"/>
                                         <p:tgtEl>
                                           <p:spTgt spid="46"/>
                                         </p:tgtEl>
@@ -6348,26 +6402,26 @@
                     </p:cTn>
                   </p:par>
                   <p:par>
-                    <p:cTn id="96" fill="hold">
+                    <p:cTn id="93" fill="hold">
                       <p:stCondLst>
                         <p:cond delay="indefinite"/>
                       </p:stCondLst>
                       <p:childTnLst>
                         <p:par>
-                          <p:cTn id="97" fill="hold">
+                          <p:cTn id="94" fill="hold">
                             <p:stCondLst>
                               <p:cond delay="0"/>
                             </p:stCondLst>
                             <p:childTnLst>
                               <p:par>
-                                <p:cTn id="98" presetID="10" presetClass="exit" presetSubtype="0" fill="hold" nodeType="clickEffect">
+                                <p:cTn id="95" presetID="10" presetClass="exit" presetSubtype="0" fill="hold" nodeType="clickEffect">
                                   <p:stCondLst>
                                     <p:cond delay="0"/>
                                   </p:stCondLst>
                                   <p:childTnLst>
                                     <p:animEffect transition="out" filter="fade">
                                       <p:cBhvr>
-                                        <p:cTn id="99" dur="500"/>
+                                        <p:cTn id="96" dur="500"/>
                                         <p:tgtEl>
                                           <p:spTgt spid="31"/>
                                         </p:tgtEl>
@@ -6375,7 +6429,7 @@
                                     </p:animEffect>
                                     <p:set>
                                       <p:cBhvr>
-                                        <p:cTn id="100" dur="1" fill="hold">
+                                        <p:cTn id="97" dur="1" fill="hold">
                                           <p:stCondLst>
                                             <p:cond delay="499"/>
                                           </p:stCondLst>
@@ -6401,26 +6455,26 @@
                     </p:cTn>
                   </p:par>
                   <p:par>
-                    <p:cTn id="101" fill="hold">
+                    <p:cTn id="98" fill="hold">
                       <p:stCondLst>
                         <p:cond delay="indefinite"/>
                       </p:stCondLst>
                       <p:childTnLst>
                         <p:par>
-                          <p:cTn id="102" fill="hold">
+                          <p:cTn id="99" fill="hold">
                             <p:stCondLst>
                               <p:cond delay="0"/>
                             </p:stCondLst>
                             <p:childTnLst>
                               <p:par>
-                                <p:cTn id="103" presetID="10" presetClass="exit" presetSubtype="0" fill="hold" nodeType="clickEffect">
+                                <p:cTn id="100" presetID="10" presetClass="exit" presetSubtype="0" fill="hold" nodeType="clickEffect">
                                   <p:stCondLst>
                                     <p:cond delay="0"/>
                                   </p:stCondLst>
                                   <p:childTnLst>
                                     <p:animEffect transition="out" filter="fade">
                                       <p:cBhvr>
-                                        <p:cTn id="104" dur="500"/>
+                                        <p:cTn id="101" dur="500"/>
                                         <p:tgtEl>
                                           <p:spTgt spid="21"/>
                                         </p:tgtEl>
@@ -6428,7 +6482,7 @@
                                     </p:animEffect>
                                     <p:set>
                                       <p:cBhvr>
-                                        <p:cTn id="105" dur="1" fill="hold">
+                                        <p:cTn id="102" dur="1" fill="hold">
                                           <p:stCondLst>
                                             <p:cond delay="499"/>
                                           </p:stCondLst>
@@ -6454,26 +6508,26 @@
                     </p:cTn>
                   </p:par>
                   <p:par>
-                    <p:cTn id="106" fill="hold">
+                    <p:cTn id="103" fill="hold">
                       <p:stCondLst>
                         <p:cond delay="indefinite"/>
                       </p:stCondLst>
                       <p:childTnLst>
                         <p:par>
-                          <p:cTn id="107" fill="hold">
+                          <p:cTn id="104" fill="hold">
                             <p:stCondLst>
                               <p:cond delay="0"/>
                             </p:stCondLst>
                             <p:childTnLst>
                               <p:par>
-                                <p:cTn id="108" presetID="10" presetClass="entr" presetSubtype="0" fill="hold" nodeType="clickEffect">
+                                <p:cTn id="105" presetID="10" presetClass="entr" presetSubtype="0" fill="hold" nodeType="clickEffect">
                                   <p:stCondLst>
                                     <p:cond delay="0"/>
                                   </p:stCondLst>
                                   <p:childTnLst>
                                     <p:set>
                                       <p:cBhvr>
-                                        <p:cTn id="109" dur="1" fill="hold">
+                                        <p:cTn id="106" dur="1" fill="hold">
                                           <p:stCondLst>
                                             <p:cond delay="0"/>
                                           </p:stCondLst>
@@ -6491,7 +6545,7 @@
                                     </p:set>
                                     <p:animEffect transition="in" filter="fade">
                                       <p:cBhvr>
-                                        <p:cTn id="110" dur="500"/>
+                                        <p:cTn id="107" dur="500"/>
                                         <p:tgtEl>
                                           <p:spTgt spid="15"/>
                                         </p:tgtEl>
@@ -6507,26 +6561,26 @@
                     </p:cTn>
                   </p:par>
                   <p:par>
-                    <p:cTn id="111" fill="hold">
+                    <p:cTn id="108" fill="hold">
                       <p:stCondLst>
                         <p:cond delay="indefinite"/>
                       </p:stCondLst>
                       <p:childTnLst>
                         <p:par>
-                          <p:cTn id="112" fill="hold">
+                          <p:cTn id="109" fill="hold">
                             <p:stCondLst>
                               <p:cond delay="0"/>
                             </p:stCondLst>
                             <p:childTnLst>
                               <p:par>
-                                <p:cTn id="113" presetID="10" presetClass="entr" presetSubtype="0" fill="hold" nodeType="clickEffect">
+                                <p:cTn id="110" presetID="10" presetClass="entr" presetSubtype="0" fill="hold" nodeType="clickEffect">
                                   <p:stCondLst>
                                     <p:cond delay="0"/>
                                   </p:stCondLst>
                                   <p:childTnLst>
                                     <p:set>
                                       <p:cBhvr>
-                                        <p:cTn id="114" dur="1" fill="hold">
+                                        <p:cTn id="111" dur="1" fill="hold">
                                           <p:stCondLst>
                                             <p:cond delay="0"/>
                                           </p:stCondLst>
@@ -6544,9 +6598,150 @@
                                     </p:set>
                                     <p:animEffect transition="in" filter="fade">
                                       <p:cBhvr>
-                                        <p:cTn id="115" dur="500"/>
+                                        <p:cTn id="112" dur="500"/>
                                         <p:tgtEl>
                                           <p:spTgt spid="24"/>
+                                        </p:tgtEl>
+                                      </p:cBhvr>
+                                    </p:animEffect>
+                                  </p:childTnLst>
+                                </p:cTn>
+                              </p:par>
+                            </p:childTnLst>
+                          </p:cTn>
+                        </p:par>
+                      </p:childTnLst>
+                    </p:cTn>
+                  </p:par>
+                  <p:par>
+                    <p:cTn id="113" fill="hold">
+                      <p:stCondLst>
+                        <p:cond delay="indefinite"/>
+                      </p:stCondLst>
+                      <p:childTnLst>
+                        <p:par>
+                          <p:cTn id="114" fill="hold">
+                            <p:stCondLst>
+                              <p:cond delay="0"/>
+                            </p:stCondLst>
+                            <p:childTnLst>
+                              <p:par>
+                                <p:cTn id="115" presetID="10" presetClass="entr" presetSubtype="0" fill="hold" grpId="0" nodeType="clickEffect">
+                                  <p:stCondLst>
+                                    <p:cond delay="0"/>
+                                  </p:stCondLst>
+                                  <p:childTnLst>
+                                    <p:set>
+                                      <p:cBhvr>
+                                        <p:cTn id="116" dur="1" fill="hold">
+                                          <p:stCondLst>
+                                            <p:cond delay="0"/>
+                                          </p:stCondLst>
+                                        </p:cTn>
+                                        <p:tgtEl>
+                                          <p:spTgt spid="7"/>
+                                        </p:tgtEl>
+                                        <p:attrNameLst>
+                                          <p:attrName>style.visibility</p:attrName>
+                                        </p:attrNameLst>
+                                      </p:cBhvr>
+                                      <p:to>
+                                        <p:strVal val="visible"/>
+                                      </p:to>
+                                    </p:set>
+                                    <p:animEffect transition="in" filter="fade">
+                                      <p:cBhvr>
+                                        <p:cTn id="117" dur="500"/>
+                                        <p:tgtEl>
+                                          <p:spTgt spid="7"/>
+                                        </p:tgtEl>
+                                      </p:cBhvr>
+                                    </p:animEffect>
+                                  </p:childTnLst>
+                                </p:cTn>
+                              </p:par>
+                              <p:par>
+                                <p:cTn id="118" presetID="10" presetClass="entr" presetSubtype="0" fill="hold" grpId="0" nodeType="withEffect">
+                                  <p:stCondLst>
+                                    <p:cond delay="0"/>
+                                  </p:stCondLst>
+                                  <p:childTnLst>
+                                    <p:set>
+                                      <p:cBhvr>
+                                        <p:cTn id="119" dur="1" fill="hold">
+                                          <p:stCondLst>
+                                            <p:cond delay="0"/>
+                                          </p:stCondLst>
+                                        </p:cTn>
+                                        <p:tgtEl>
+                                          <p:spTgt spid="10"/>
+                                        </p:tgtEl>
+                                        <p:attrNameLst>
+                                          <p:attrName>style.visibility</p:attrName>
+                                        </p:attrNameLst>
+                                      </p:cBhvr>
+                                      <p:to>
+                                        <p:strVal val="visible"/>
+                                      </p:to>
+                                    </p:set>
+                                    <p:animEffect transition="in" filter="fade">
+                                      <p:cBhvr>
+                                        <p:cTn id="120" dur="500"/>
+                                        <p:tgtEl>
+                                          <p:spTgt spid="10"/>
+                                        </p:tgtEl>
+                                      </p:cBhvr>
+                                    </p:animEffect>
+                                  </p:childTnLst>
+                                </p:cTn>
+                              </p:par>
+                            </p:childTnLst>
+                          </p:cTn>
+                        </p:par>
+                      </p:childTnLst>
+                    </p:cTn>
+                  </p:par>
+                  <p:par>
+                    <p:cTn id="121" fill="hold">
+                      <p:stCondLst>
+                        <p:cond delay="indefinite"/>
+                      </p:stCondLst>
+                      <p:childTnLst>
+                        <p:par>
+                          <p:cTn id="122" fill="hold">
+                            <p:stCondLst>
+                              <p:cond delay="0"/>
+                            </p:stCondLst>
+                            <p:childTnLst>
+                              <p:par>
+                                <p:cTn id="123" presetID="10" presetClass="entr" presetSubtype="0" fill="hold" grpId="0" nodeType="clickEffect">
+                                  <p:stCondLst>
+                                    <p:cond delay="0"/>
+                                  </p:stCondLst>
+                                  <p:childTnLst>
+                                    <p:set>
+                                      <p:cBhvr>
+                                        <p:cTn id="124" dur="1" fill="hold">
+                                          <p:stCondLst>
+                                            <p:cond delay="0"/>
+                                          </p:stCondLst>
+                                        </p:cTn>
+                                        <p:tgtEl>
+                                          <p:spTgt spid="19"/>
+                                        </p:tgtEl>
+                                        <p:attrNameLst>
+                                          <p:attrName>style.visibility</p:attrName>
+                                        </p:attrNameLst>
+                                      </p:cBhvr>
+                                      <p:to>
+                                        <p:strVal val="visible"/>
+                                      </p:to>
+                                    </p:set>
+                                    <p:animEffect transition="in" filter="fade">
+                                      <p:cBhvr>
+                                        <p:cTn id="125" dur="500"/>
+                                        <p:tgtEl>
+                                          <p:spTgt spid="19"/>
                                         </p:tgtEl>
                                       </p:cBhvr>
                                     </p:animEffect>
@@ -6591,6 +6786,9 @@
       <p:bldP spid="46" grpId="0"/>
       <p:bldP spid="47" grpId="0" animBg="1"/>
       <p:bldP spid="48" grpId="0"/>
+      <p:bldP spid="7" grpId="0" animBg="1"/>
+      <p:bldP spid="10" grpId="0"/>
+      <p:bldP spid="19" grpId="0"/>
     </p:bldLst>
   </p:timing>
 </p:sld>

--- a/presentation/AsyncAllTheThings.pptx
+++ b/presentation/AsyncAllTheThings.pptx
@@ -11,6 +11,8 @@
     <p:sldId id="293" r:id="rId5"/>
     <p:sldId id="294" r:id="rId6"/>
     <p:sldId id="295" r:id="rId7"/>
+    <p:sldId id="296" r:id="rId8"/>
+    <p:sldId id="297" r:id="rId9"/>
   </p:sldIdLst>
   <p:sldSz cx="12192000" cy="6858000"/>
   <p:notesSz cx="6858000" cy="9144000"/>
@@ -128,6 +130,8 @@
             <p14:sldId id="293"/>
             <p14:sldId id="294"/>
             <p14:sldId id="295"/>
+            <p14:sldId id="296"/>
+            <p14:sldId id="297"/>
           </p14:sldIdLst>
         </p14:section>
       </p14:sectionLst>
@@ -270,7 +274,7 @@
           <a:p>
             <a:fld id="{21DC8992-6760-4568-B836-8A41DAB74142}" type="datetimeFigureOut">
               <a:rPr lang="pt-PT" smtClean="0"/>
-              <a:t>05/05/2021</a:t>
+              <a:t>09/05/2021</a:t>
             </a:fld>
             <a:endParaRPr lang="pt-PT"/>
           </a:p>
@@ -440,7 +444,7 @@
           <a:p>
             <a:fld id="{21DC8992-6760-4568-B836-8A41DAB74142}" type="datetimeFigureOut">
               <a:rPr lang="pt-PT" smtClean="0"/>
-              <a:t>05/05/2021</a:t>
+              <a:t>09/05/2021</a:t>
             </a:fld>
             <a:endParaRPr lang="pt-PT"/>
           </a:p>
@@ -620,7 +624,7 @@
           <a:p>
             <a:fld id="{21DC8992-6760-4568-B836-8A41DAB74142}" type="datetimeFigureOut">
               <a:rPr lang="pt-PT" smtClean="0"/>
-              <a:t>05/05/2021</a:t>
+              <a:t>09/05/2021</a:t>
             </a:fld>
             <a:endParaRPr lang="pt-PT"/>
           </a:p>
@@ -790,7 +794,7 @@
           <a:p>
             <a:fld id="{21DC8992-6760-4568-B836-8A41DAB74142}" type="datetimeFigureOut">
               <a:rPr lang="pt-PT" smtClean="0"/>
-              <a:t>05/05/2021</a:t>
+              <a:t>09/05/2021</a:t>
             </a:fld>
             <a:endParaRPr lang="pt-PT"/>
           </a:p>
@@ -1036,7 +1040,7 @@
           <a:p>
             <a:fld id="{21DC8992-6760-4568-B836-8A41DAB74142}" type="datetimeFigureOut">
               <a:rPr lang="pt-PT" smtClean="0"/>
-              <a:t>05/05/2021</a:t>
+              <a:t>09/05/2021</a:t>
             </a:fld>
             <a:endParaRPr lang="pt-PT"/>
           </a:p>
@@ -1268,7 +1272,7 @@
           <a:p>
             <a:fld id="{21DC8992-6760-4568-B836-8A41DAB74142}" type="datetimeFigureOut">
               <a:rPr lang="pt-PT" smtClean="0"/>
-              <a:t>05/05/2021</a:t>
+              <a:t>09/05/2021</a:t>
             </a:fld>
             <a:endParaRPr lang="pt-PT"/>
           </a:p>
@@ -1635,7 +1639,7 @@
           <a:p>
             <a:fld id="{21DC8992-6760-4568-B836-8A41DAB74142}" type="datetimeFigureOut">
               <a:rPr lang="pt-PT" smtClean="0"/>
-              <a:t>05/05/2021</a:t>
+              <a:t>09/05/2021</a:t>
             </a:fld>
             <a:endParaRPr lang="pt-PT"/>
           </a:p>
@@ -1753,7 +1757,7 @@
           <a:p>
             <a:fld id="{21DC8992-6760-4568-B836-8A41DAB74142}" type="datetimeFigureOut">
               <a:rPr lang="pt-PT" smtClean="0"/>
-              <a:t>05/05/2021</a:t>
+              <a:t>09/05/2021</a:t>
             </a:fld>
             <a:endParaRPr lang="pt-PT"/>
           </a:p>
@@ -1848,7 +1852,7 @@
           <a:p>
             <a:fld id="{21DC8992-6760-4568-B836-8A41DAB74142}" type="datetimeFigureOut">
               <a:rPr lang="pt-PT" smtClean="0"/>
-              <a:t>05/05/2021</a:t>
+              <a:t>09/05/2021</a:t>
             </a:fld>
             <a:endParaRPr lang="pt-PT"/>
           </a:p>
@@ -2125,7 +2129,7 @@
           <a:p>
             <a:fld id="{21DC8992-6760-4568-B836-8A41DAB74142}" type="datetimeFigureOut">
               <a:rPr lang="pt-PT" smtClean="0"/>
-              <a:t>05/05/2021</a:t>
+              <a:t>09/05/2021</a:t>
             </a:fld>
             <a:endParaRPr lang="pt-PT"/>
           </a:p>
@@ -2382,7 +2386,7 @@
           <a:p>
             <a:fld id="{21DC8992-6760-4568-B836-8A41DAB74142}" type="datetimeFigureOut">
               <a:rPr lang="pt-PT" smtClean="0"/>
-              <a:t>05/05/2021</a:t>
+              <a:t>09/05/2021</a:t>
             </a:fld>
             <a:endParaRPr lang="pt-PT"/>
           </a:p>
@@ -2595,7 +2599,7 @@
           <a:p>
             <a:fld id="{21DC8992-6760-4568-B836-8A41DAB74142}" type="datetimeFigureOut">
               <a:rPr lang="pt-PT" smtClean="0"/>
-              <a:t>05/05/2021</a:t>
+              <a:t>09/05/2021</a:t>
             </a:fld>
             <a:endParaRPr lang="pt-PT"/>
           </a:p>
@@ -6794,6 +6798,2273 @@
 </p:sld>
 </file>
 
+<file path=ppt/slides/slide7.xml><?xml version="1.0" encoding="utf-8"?>
+<p:sld xmlns:a="http://schemas.openxmlformats.org/drawingml/2006/main" xmlns:r="http://schemas.openxmlformats.org/officeDocument/2006/relationships" xmlns:p="http://schemas.openxmlformats.org/presentationml/2006/main">
+  <p:cSld>
+    <p:spTree>
+      <p:nvGrpSpPr>
+        <p:cNvPr id="1" name=""/>
+        <p:cNvGrpSpPr/>
+        <p:nvPr/>
+      </p:nvGrpSpPr>
+      <p:grpSpPr>
+        <a:xfrm>
+          <a:off x="0" y="0"/>
+          <a:ext cx="0" cy="0"/>
+          <a:chOff x="0" y="0"/>
+          <a:chExt cx="0" cy="0"/>
+        </a:xfrm>
+      </p:grpSpPr>
+      <p:sp>
+        <p:nvSpPr>
+          <p:cNvPr id="2" name="Title 1">
+            <a:extLst>
+              <a:ext uri="{FF2B5EF4-FFF2-40B4-BE49-F238E27FC236}">
+                <a16:creationId xmlns:a16="http://schemas.microsoft.com/office/drawing/2014/main" id="{6634B485-048A-4F7C-8FBC-5A485EC86D9C}"/>
+              </a:ext>
+            </a:extLst>
+          </p:cNvPr>
+          <p:cNvSpPr>
+            <a:spLocks noGrp="1"/>
+          </p:cNvSpPr>
+          <p:nvPr>
+            <p:ph type="title"/>
+          </p:nvPr>
+        </p:nvSpPr>
+        <p:spPr/>
+        <p:txBody>
+          <a:bodyPr/>
+          <a:lstStyle/>
+          <a:p>
+            <a:r>
+              <a:rPr lang="en-US" dirty="0"/>
+              <a:t>No async</a:t>
+            </a:r>
+          </a:p>
+        </p:txBody>
+      </p:sp>
+      <p:pic>
+        <p:nvPicPr>
+          <p:cNvPr id="5" name="Picture 4">
+            <a:extLst>
+              <a:ext uri="{FF2B5EF4-FFF2-40B4-BE49-F238E27FC236}">
+                <a16:creationId xmlns:a16="http://schemas.microsoft.com/office/drawing/2014/main" id="{4DC7BD4E-81FC-431E-9970-7E66BA325C0E}"/>
+              </a:ext>
+            </a:extLst>
+          </p:cNvPr>
+          <p:cNvPicPr>
+            <a:picLocks noChangeAspect="1"/>
+          </p:cNvPicPr>
+          <p:nvPr/>
+        </p:nvPicPr>
+        <p:blipFill>
+          <a:blip r:embed="rId2">
+            <a:extLst>
+              <a:ext uri="{28A0092B-C50C-407E-A947-70E740481C1C}">
+                <a14:useLocalDpi xmlns:a14="http://schemas.microsoft.com/office/drawing/2010/main" val="0"/>
+              </a:ext>
+            </a:extLst>
+          </a:blip>
+          <a:stretch>
+            <a:fillRect/>
+          </a:stretch>
+        </p:blipFill>
+        <p:spPr>
+          <a:xfrm>
+            <a:off x="5383528" y="3551430"/>
+            <a:ext cx="1440000" cy="1440000"/>
+          </a:xfrm>
+          <a:prstGeom prst="rect">
+            <a:avLst/>
+          </a:prstGeom>
+        </p:spPr>
+      </p:pic>
+      <p:pic>
+        <p:nvPicPr>
+          <p:cNvPr id="6" name="Picture 5">
+            <a:extLst>
+              <a:ext uri="{FF2B5EF4-FFF2-40B4-BE49-F238E27FC236}">
+                <a16:creationId xmlns:a16="http://schemas.microsoft.com/office/drawing/2014/main" id="{596E0848-4998-4B71-9B9F-A00601E2DE81}"/>
+              </a:ext>
+            </a:extLst>
+          </p:cNvPr>
+          <p:cNvPicPr>
+            <a:picLocks noChangeAspect="1"/>
+          </p:cNvPicPr>
+          <p:nvPr/>
+        </p:nvPicPr>
+        <p:blipFill>
+          <a:blip r:embed="rId3">
+            <a:extLst>
+              <a:ext uri="{28A0092B-C50C-407E-A947-70E740481C1C}">
+                <a14:useLocalDpi xmlns:a14="http://schemas.microsoft.com/office/drawing/2010/main" val="0"/>
+              </a:ext>
+            </a:extLst>
+          </a:blip>
+          <a:stretch>
+            <a:fillRect/>
+          </a:stretch>
+        </p:blipFill>
+        <p:spPr>
+          <a:xfrm>
+            <a:off x="9913800" y="3551430"/>
+            <a:ext cx="1440000" cy="1440000"/>
+          </a:xfrm>
+          <a:prstGeom prst="rect">
+            <a:avLst/>
+          </a:prstGeom>
+        </p:spPr>
+      </p:pic>
+      <p:grpSp>
+        <p:nvGrpSpPr>
+          <p:cNvPr id="9" name="Group 8">
+            <a:extLst>
+              <a:ext uri="{FF2B5EF4-FFF2-40B4-BE49-F238E27FC236}">
+                <a16:creationId xmlns:a16="http://schemas.microsoft.com/office/drawing/2014/main" id="{EEF38727-67AC-4950-9A78-448529F0315C}"/>
+              </a:ext>
+            </a:extLst>
+          </p:cNvPr>
+          <p:cNvGrpSpPr/>
+          <p:nvPr/>
+        </p:nvGrpSpPr>
+        <p:grpSpPr>
+          <a:xfrm>
+            <a:off x="869424" y="2085344"/>
+            <a:ext cx="984565" cy="1076261"/>
+            <a:chOff x="838200" y="1440820"/>
+            <a:chExt cx="984565" cy="1076261"/>
+          </a:xfrm>
+        </p:grpSpPr>
+        <p:pic>
+          <p:nvPicPr>
+            <p:cNvPr id="4" name="Content Placeholder 4">
+              <a:extLst>
+                <a:ext uri="{FF2B5EF4-FFF2-40B4-BE49-F238E27FC236}">
+                  <a16:creationId xmlns:a16="http://schemas.microsoft.com/office/drawing/2014/main" id="{2B4DC066-184F-40B6-9371-6F2D63F5B831}"/>
+                </a:ext>
+              </a:extLst>
+            </p:cNvPr>
+            <p:cNvPicPr>
+              <a:picLocks noChangeAspect="1"/>
+            </p:cNvPicPr>
+            <p:nvPr/>
+          </p:nvPicPr>
+          <p:blipFill>
+            <a:blip r:embed="rId4">
+              <a:extLst>
+                <a:ext uri="{28A0092B-C50C-407E-A947-70E740481C1C}">
+                  <a14:useLocalDpi xmlns:a14="http://schemas.microsoft.com/office/drawing/2010/main" val="0"/>
+                </a:ext>
+              </a:extLst>
+            </a:blip>
+            <a:stretch>
+              <a:fillRect/>
+            </a:stretch>
+          </p:blipFill>
+          <p:spPr>
+            <a:xfrm>
+              <a:off x="970482" y="1797081"/>
+              <a:ext cx="720000" cy="720000"/>
+            </a:xfrm>
+            <a:prstGeom prst="rect">
+              <a:avLst/>
+            </a:prstGeom>
+          </p:spPr>
+        </p:pic>
+        <p:sp>
+          <p:nvSpPr>
+            <p:cNvPr id="8" name="TextBox 7">
+              <a:extLst>
+                <a:ext uri="{FF2B5EF4-FFF2-40B4-BE49-F238E27FC236}">
+                  <a16:creationId xmlns:a16="http://schemas.microsoft.com/office/drawing/2014/main" id="{CAA0151E-5764-40FD-9E50-3FE79AD8F0FC}"/>
+                </a:ext>
+              </a:extLst>
+            </p:cNvPr>
+            <p:cNvSpPr txBox="1"/>
+            <p:nvPr/>
+          </p:nvSpPr>
+          <p:spPr>
+            <a:xfrm>
+              <a:off x="838200" y="1440820"/>
+              <a:ext cx="984565" cy="369332"/>
+            </a:xfrm>
+            <a:prstGeom prst="rect">
+              <a:avLst/>
+            </a:prstGeom>
+            <a:noFill/>
+          </p:spPr>
+          <p:txBody>
+            <a:bodyPr wrap="none" rtlCol="0">
+              <a:spAutoFit/>
+            </a:bodyPr>
+            <a:lstStyle/>
+            <a:p>
+              <a:r>
+                <a:rPr lang="en-US" dirty="0"/>
+                <a:t>Client 1</a:t>
+              </a:r>
+            </a:p>
+          </p:txBody>
+        </p:sp>
+      </p:grpSp>
+      <p:grpSp>
+        <p:nvGrpSpPr>
+          <p:cNvPr id="12" name="Group 11">
+            <a:extLst>
+              <a:ext uri="{FF2B5EF4-FFF2-40B4-BE49-F238E27FC236}">
+                <a16:creationId xmlns:a16="http://schemas.microsoft.com/office/drawing/2014/main" id="{2F427B00-F42A-4F9C-8EF4-9E3045E66BD2}"/>
+              </a:ext>
+            </a:extLst>
+          </p:cNvPr>
+          <p:cNvGrpSpPr/>
+          <p:nvPr/>
+        </p:nvGrpSpPr>
+        <p:grpSpPr>
+          <a:xfrm>
+            <a:off x="853256" y="3517866"/>
+            <a:ext cx="984565" cy="1076261"/>
+            <a:chOff x="838200" y="1440820"/>
+            <a:chExt cx="984565" cy="1076261"/>
+          </a:xfrm>
+        </p:grpSpPr>
+        <p:pic>
+          <p:nvPicPr>
+            <p:cNvPr id="13" name="Content Placeholder 4">
+              <a:extLst>
+                <a:ext uri="{FF2B5EF4-FFF2-40B4-BE49-F238E27FC236}">
+                  <a16:creationId xmlns:a16="http://schemas.microsoft.com/office/drawing/2014/main" id="{5F81FDD8-C883-49F6-9CBD-66E0631734FD}"/>
+                </a:ext>
+              </a:extLst>
+            </p:cNvPr>
+            <p:cNvPicPr>
+              <a:picLocks noChangeAspect="1"/>
+            </p:cNvPicPr>
+            <p:nvPr/>
+          </p:nvPicPr>
+          <p:blipFill>
+            <a:blip r:embed="rId4">
+              <a:extLst>
+                <a:ext uri="{28A0092B-C50C-407E-A947-70E740481C1C}">
+                  <a14:useLocalDpi xmlns:a14="http://schemas.microsoft.com/office/drawing/2010/main" val="0"/>
+                </a:ext>
+              </a:extLst>
+            </a:blip>
+            <a:stretch>
+              <a:fillRect/>
+            </a:stretch>
+          </p:blipFill>
+          <p:spPr>
+            <a:xfrm>
+              <a:off x="970482" y="1797081"/>
+              <a:ext cx="720000" cy="720000"/>
+            </a:xfrm>
+            <a:prstGeom prst="rect">
+              <a:avLst/>
+            </a:prstGeom>
+          </p:spPr>
+        </p:pic>
+        <p:sp>
+          <p:nvSpPr>
+            <p:cNvPr id="14" name="TextBox 13">
+              <a:extLst>
+                <a:ext uri="{FF2B5EF4-FFF2-40B4-BE49-F238E27FC236}">
+                  <a16:creationId xmlns:a16="http://schemas.microsoft.com/office/drawing/2014/main" id="{B50E748E-9241-44BF-86DD-36D1544EC006}"/>
+                </a:ext>
+              </a:extLst>
+            </p:cNvPr>
+            <p:cNvSpPr txBox="1"/>
+            <p:nvPr/>
+          </p:nvSpPr>
+          <p:spPr>
+            <a:xfrm>
+              <a:off x="838200" y="1440820"/>
+              <a:ext cx="984565" cy="369332"/>
+            </a:xfrm>
+            <a:prstGeom prst="rect">
+              <a:avLst/>
+            </a:prstGeom>
+            <a:noFill/>
+          </p:spPr>
+          <p:txBody>
+            <a:bodyPr wrap="none" rtlCol="0">
+              <a:spAutoFit/>
+            </a:bodyPr>
+            <a:lstStyle/>
+            <a:p>
+              <a:r>
+                <a:rPr lang="en-US" dirty="0"/>
+                <a:t>Client 2</a:t>
+              </a:r>
+            </a:p>
+          </p:txBody>
+        </p:sp>
+      </p:grpSp>
+      <p:grpSp>
+        <p:nvGrpSpPr>
+          <p:cNvPr id="15" name="Group 14">
+            <a:extLst>
+              <a:ext uri="{FF2B5EF4-FFF2-40B4-BE49-F238E27FC236}">
+                <a16:creationId xmlns:a16="http://schemas.microsoft.com/office/drawing/2014/main" id="{BADACC9B-6FC2-457F-982B-B32A8D7F49DA}"/>
+              </a:ext>
+            </a:extLst>
+          </p:cNvPr>
+          <p:cNvGrpSpPr/>
+          <p:nvPr/>
+        </p:nvGrpSpPr>
+        <p:grpSpPr>
+          <a:xfrm>
+            <a:off x="869423" y="4858064"/>
+            <a:ext cx="984565" cy="1076261"/>
+            <a:chOff x="838200" y="1440820"/>
+            <a:chExt cx="984565" cy="1076261"/>
+          </a:xfrm>
+        </p:grpSpPr>
+        <p:pic>
+          <p:nvPicPr>
+            <p:cNvPr id="16" name="Content Placeholder 4">
+              <a:extLst>
+                <a:ext uri="{FF2B5EF4-FFF2-40B4-BE49-F238E27FC236}">
+                  <a16:creationId xmlns:a16="http://schemas.microsoft.com/office/drawing/2014/main" id="{F7E6742A-A2FC-4577-A53A-3076C1D3D179}"/>
+                </a:ext>
+              </a:extLst>
+            </p:cNvPr>
+            <p:cNvPicPr>
+              <a:picLocks noChangeAspect="1"/>
+            </p:cNvPicPr>
+            <p:nvPr/>
+          </p:nvPicPr>
+          <p:blipFill>
+            <a:blip r:embed="rId4">
+              <a:extLst>
+                <a:ext uri="{28A0092B-C50C-407E-A947-70E740481C1C}">
+                  <a14:useLocalDpi xmlns:a14="http://schemas.microsoft.com/office/drawing/2010/main" val="0"/>
+                </a:ext>
+              </a:extLst>
+            </a:blip>
+            <a:stretch>
+              <a:fillRect/>
+            </a:stretch>
+          </p:blipFill>
+          <p:spPr>
+            <a:xfrm>
+              <a:off x="970482" y="1797081"/>
+              <a:ext cx="720000" cy="720000"/>
+            </a:xfrm>
+            <a:prstGeom prst="rect">
+              <a:avLst/>
+            </a:prstGeom>
+          </p:spPr>
+        </p:pic>
+        <p:sp>
+          <p:nvSpPr>
+            <p:cNvPr id="17" name="TextBox 16">
+              <a:extLst>
+                <a:ext uri="{FF2B5EF4-FFF2-40B4-BE49-F238E27FC236}">
+                  <a16:creationId xmlns:a16="http://schemas.microsoft.com/office/drawing/2014/main" id="{D240F3E4-627B-4EE2-A0F8-99425E472DC4}"/>
+                </a:ext>
+              </a:extLst>
+            </p:cNvPr>
+            <p:cNvSpPr txBox="1"/>
+            <p:nvPr/>
+          </p:nvSpPr>
+          <p:spPr>
+            <a:xfrm>
+              <a:off x="838200" y="1440820"/>
+              <a:ext cx="984565" cy="369332"/>
+            </a:xfrm>
+            <a:prstGeom prst="rect">
+              <a:avLst/>
+            </a:prstGeom>
+            <a:noFill/>
+          </p:spPr>
+          <p:txBody>
+            <a:bodyPr wrap="none" rtlCol="0">
+              <a:spAutoFit/>
+            </a:bodyPr>
+            <a:lstStyle/>
+            <a:p>
+              <a:r>
+                <a:rPr lang="en-US" dirty="0"/>
+                <a:t>Client 3</a:t>
+              </a:r>
+            </a:p>
+          </p:txBody>
+        </p:sp>
+      </p:grpSp>
+      <p:cxnSp>
+        <p:nvCxnSpPr>
+          <p:cNvPr id="31" name="Straight Arrow Connector 30">
+            <a:extLst>
+              <a:ext uri="{FF2B5EF4-FFF2-40B4-BE49-F238E27FC236}">
+                <a16:creationId xmlns:a16="http://schemas.microsoft.com/office/drawing/2014/main" id="{EBD0D50E-9C3E-4531-83D2-BFD1D6093EAB}"/>
+              </a:ext>
+            </a:extLst>
+          </p:cNvPr>
+          <p:cNvCxnSpPr>
+            <a:cxnSpLocks/>
+            <a:stCxn id="6" idx="1"/>
+            <a:endCxn id="5" idx="3"/>
+          </p:cNvCxnSpPr>
+          <p:nvPr/>
+        </p:nvCxnSpPr>
+        <p:spPr>
+          <a:xfrm flipH="1">
+            <a:off x="6823528" y="4271430"/>
+            <a:ext cx="3090272" cy="0"/>
+          </a:xfrm>
+          <a:prstGeom prst="straightConnector1">
+            <a:avLst/>
+          </a:prstGeom>
+          <a:ln w="25400">
+            <a:tailEnd type="triangle"/>
+          </a:ln>
+        </p:spPr>
+        <p:style>
+          <a:lnRef idx="1">
+            <a:schemeClr val="dk1"/>
+          </a:lnRef>
+          <a:fillRef idx="0">
+            <a:schemeClr val="dk1"/>
+          </a:fillRef>
+          <a:effectRef idx="0">
+            <a:schemeClr val="dk1"/>
+          </a:effectRef>
+          <a:fontRef idx="minor">
+            <a:schemeClr val="tx1"/>
+          </a:fontRef>
+        </p:style>
+      </p:cxnSp>
+      <p:sp>
+        <p:nvSpPr>
+          <p:cNvPr id="36" name="TextBox 35">
+            <a:extLst>
+              <a:ext uri="{FF2B5EF4-FFF2-40B4-BE49-F238E27FC236}">
+                <a16:creationId xmlns:a16="http://schemas.microsoft.com/office/drawing/2014/main" id="{6281DFB1-B3C1-405F-B41D-8E8FEF124AE1}"/>
+              </a:ext>
+            </a:extLst>
+          </p:cNvPr>
+          <p:cNvSpPr txBox="1"/>
+          <p:nvPr/>
+        </p:nvSpPr>
+        <p:spPr>
+          <a:xfrm>
+            <a:off x="5261888" y="2839983"/>
+            <a:ext cx="444352" cy="369332"/>
+          </a:xfrm>
+          <a:prstGeom prst="rect">
+            <a:avLst/>
+          </a:prstGeom>
+          <a:noFill/>
+        </p:spPr>
+        <p:txBody>
+          <a:bodyPr wrap="none" rtlCol="0">
+            <a:spAutoFit/>
+          </a:bodyPr>
+          <a:lstStyle/>
+          <a:p>
+            <a:r>
+              <a:rPr lang="pt-PT" dirty="0"/>
+              <a:t>T1</a:t>
+            </a:r>
+            <a:endParaRPr lang="en-US" dirty="0"/>
+          </a:p>
+        </p:txBody>
+      </p:sp>
+      <p:sp>
+        <p:nvSpPr>
+          <p:cNvPr id="38" name="Speech Bubble: Rectangle with Corners Rounded 37">
+            <a:extLst>
+              <a:ext uri="{FF2B5EF4-FFF2-40B4-BE49-F238E27FC236}">
+                <a16:creationId xmlns:a16="http://schemas.microsoft.com/office/drawing/2014/main" id="{A14B44A1-1019-44D1-8219-1994F24FA08F}"/>
+              </a:ext>
+            </a:extLst>
+          </p:cNvPr>
+          <p:cNvSpPr/>
+          <p:nvPr/>
+        </p:nvSpPr>
+        <p:spPr>
+          <a:xfrm>
+            <a:off x="4844089" y="2398261"/>
+            <a:ext cx="1848814" cy="944182"/>
+          </a:xfrm>
+          <a:prstGeom prst="wedgeRoundRectCallout">
+            <a:avLst>
+              <a:gd name="adj1" fmla="val 20905"/>
+              <a:gd name="adj2" fmla="val 66752"/>
+              <a:gd name="adj3" fmla="val 16667"/>
+            </a:avLst>
+          </a:prstGeom>
+          <a:noFill/>
+          <a:ln w="9525" cap="flat" cmpd="sng" algn="ctr">
+            <a:solidFill>
+              <a:schemeClr val="dk1"/>
+            </a:solidFill>
+            <a:prstDash val="solid"/>
+            <a:round/>
+            <a:headEnd type="none" w="med" len="med"/>
+            <a:tailEnd type="none" w="med" len="med"/>
+          </a:ln>
+        </p:spPr>
+        <p:style>
+          <a:lnRef idx="0">
+            <a:scrgbClr r="0" g="0" b="0"/>
+          </a:lnRef>
+          <a:fillRef idx="0">
+            <a:scrgbClr r="0" g="0" b="0"/>
+          </a:fillRef>
+          <a:effectRef idx="0">
+            <a:scrgbClr r="0" g="0" b="0"/>
+          </a:effectRef>
+          <a:fontRef idx="minor">
+            <a:schemeClr val="dk1"/>
+          </a:fontRef>
+        </p:style>
+        <p:txBody>
+          <a:bodyPr rtlCol="0" anchor="ctr"/>
+          <a:lstStyle/>
+          <a:p>
+            <a:pPr algn="ctr"/>
+            <a:endParaRPr lang="en-US"/>
+          </a:p>
+        </p:txBody>
+      </p:sp>
+      <p:sp>
+        <p:nvSpPr>
+          <p:cNvPr id="42" name="TextBox 41">
+            <a:extLst>
+              <a:ext uri="{FF2B5EF4-FFF2-40B4-BE49-F238E27FC236}">
+                <a16:creationId xmlns:a16="http://schemas.microsoft.com/office/drawing/2014/main" id="{C0C2520E-126A-49A2-80C3-932DD66013FA}"/>
+              </a:ext>
+            </a:extLst>
+          </p:cNvPr>
+          <p:cNvSpPr txBox="1"/>
+          <p:nvPr/>
+        </p:nvSpPr>
+        <p:spPr>
+          <a:xfrm>
+            <a:off x="5045886" y="2461563"/>
+            <a:ext cx="1444626" cy="369332"/>
+          </a:xfrm>
+          <a:prstGeom prst="rect">
+            <a:avLst/>
+          </a:prstGeom>
+          <a:noFill/>
+        </p:spPr>
+        <p:txBody>
+          <a:bodyPr wrap="none" rtlCol="0">
+            <a:spAutoFit/>
+          </a:bodyPr>
+          <a:lstStyle/>
+          <a:p>
+            <a:r>
+              <a:rPr lang="en-US" dirty="0"/>
+              <a:t>Thread pool</a:t>
+            </a:r>
+          </a:p>
+        </p:txBody>
+      </p:sp>
+      <p:sp>
+        <p:nvSpPr>
+          <p:cNvPr id="45" name="TextBox 44">
+            <a:extLst>
+              <a:ext uri="{FF2B5EF4-FFF2-40B4-BE49-F238E27FC236}">
+                <a16:creationId xmlns:a16="http://schemas.microsoft.com/office/drawing/2014/main" id="{BB104FE0-6971-46C2-8592-D12BCA9BE0A8}"/>
+              </a:ext>
+            </a:extLst>
+          </p:cNvPr>
+          <p:cNvSpPr txBox="1"/>
+          <p:nvPr/>
+        </p:nvSpPr>
+        <p:spPr>
+          <a:xfrm>
+            <a:off x="9039279" y="2809614"/>
+            <a:ext cx="444352" cy="369332"/>
+          </a:xfrm>
+          <a:prstGeom prst="rect">
+            <a:avLst/>
+          </a:prstGeom>
+          <a:noFill/>
+        </p:spPr>
+        <p:txBody>
+          <a:bodyPr wrap="none" rtlCol="0">
+            <a:spAutoFit/>
+          </a:bodyPr>
+          <a:lstStyle/>
+          <a:p>
+            <a:r>
+              <a:rPr lang="pt-PT" dirty="0"/>
+              <a:t>T1</a:t>
+            </a:r>
+            <a:endParaRPr lang="en-US" dirty="0"/>
+          </a:p>
+        </p:txBody>
+      </p:sp>
+      <p:sp>
+        <p:nvSpPr>
+          <p:cNvPr id="46" name="TextBox 45">
+            <a:extLst>
+              <a:ext uri="{FF2B5EF4-FFF2-40B4-BE49-F238E27FC236}">
+                <a16:creationId xmlns:a16="http://schemas.microsoft.com/office/drawing/2014/main" id="{0B5C937C-31D1-4AD8-A8A3-ABA7328C49CA}"/>
+              </a:ext>
+            </a:extLst>
+          </p:cNvPr>
+          <p:cNvSpPr txBox="1"/>
+          <p:nvPr/>
+        </p:nvSpPr>
+        <p:spPr>
+          <a:xfrm>
+            <a:off x="9483631" y="2809614"/>
+            <a:ext cx="444352" cy="369332"/>
+          </a:xfrm>
+          <a:prstGeom prst="rect">
+            <a:avLst/>
+          </a:prstGeom>
+          <a:noFill/>
+        </p:spPr>
+        <p:txBody>
+          <a:bodyPr wrap="none" rtlCol="0">
+            <a:spAutoFit/>
+          </a:bodyPr>
+          <a:lstStyle/>
+          <a:p>
+            <a:r>
+              <a:rPr lang="pt-PT" dirty="0"/>
+              <a:t>T2</a:t>
+            </a:r>
+            <a:endParaRPr lang="en-US" dirty="0"/>
+          </a:p>
+        </p:txBody>
+      </p:sp>
+      <p:sp>
+        <p:nvSpPr>
+          <p:cNvPr id="47" name="Speech Bubble: Rectangle with Corners Rounded 46">
+            <a:extLst>
+              <a:ext uri="{FF2B5EF4-FFF2-40B4-BE49-F238E27FC236}">
+                <a16:creationId xmlns:a16="http://schemas.microsoft.com/office/drawing/2014/main" id="{6B8E4E39-FC02-4F49-B39F-6253D89621A1}"/>
+              </a:ext>
+            </a:extLst>
+          </p:cNvPr>
+          <p:cNvSpPr/>
+          <p:nvPr/>
+        </p:nvSpPr>
+        <p:spPr>
+          <a:xfrm>
+            <a:off x="8621480" y="2367892"/>
+            <a:ext cx="1848814" cy="944182"/>
+          </a:xfrm>
+          <a:prstGeom prst="wedgeRoundRectCallout">
+            <a:avLst>
+              <a:gd name="adj1" fmla="val 20905"/>
+              <a:gd name="adj2" fmla="val 66752"/>
+              <a:gd name="adj3" fmla="val 16667"/>
+            </a:avLst>
+          </a:prstGeom>
+          <a:noFill/>
+          <a:ln w="9525" cap="flat" cmpd="sng" algn="ctr">
+            <a:solidFill>
+              <a:schemeClr val="dk1"/>
+            </a:solidFill>
+            <a:prstDash val="solid"/>
+            <a:round/>
+            <a:headEnd type="none" w="med" len="med"/>
+            <a:tailEnd type="none" w="med" len="med"/>
+          </a:ln>
+        </p:spPr>
+        <p:style>
+          <a:lnRef idx="0">
+            <a:scrgbClr r="0" g="0" b="0"/>
+          </a:lnRef>
+          <a:fillRef idx="0">
+            <a:scrgbClr r="0" g="0" b="0"/>
+          </a:fillRef>
+          <a:effectRef idx="0">
+            <a:scrgbClr r="0" g="0" b="0"/>
+          </a:effectRef>
+          <a:fontRef idx="minor">
+            <a:schemeClr val="dk1"/>
+          </a:fontRef>
+        </p:style>
+        <p:txBody>
+          <a:bodyPr rtlCol="0" anchor="ctr"/>
+          <a:lstStyle/>
+          <a:p>
+            <a:pPr algn="ctr"/>
+            <a:endParaRPr lang="en-US"/>
+          </a:p>
+        </p:txBody>
+      </p:sp>
+      <p:sp>
+        <p:nvSpPr>
+          <p:cNvPr id="48" name="TextBox 47">
+            <a:extLst>
+              <a:ext uri="{FF2B5EF4-FFF2-40B4-BE49-F238E27FC236}">
+                <a16:creationId xmlns:a16="http://schemas.microsoft.com/office/drawing/2014/main" id="{1192723B-C84F-4909-BD0F-60CFBC53A4CA}"/>
+              </a:ext>
+            </a:extLst>
+          </p:cNvPr>
+          <p:cNvSpPr txBox="1"/>
+          <p:nvPr/>
+        </p:nvSpPr>
+        <p:spPr>
+          <a:xfrm>
+            <a:off x="8606366" y="2436393"/>
+            <a:ext cx="1879041" cy="369332"/>
+          </a:xfrm>
+          <a:prstGeom prst="rect">
+            <a:avLst/>
+          </a:prstGeom>
+          <a:noFill/>
+        </p:spPr>
+        <p:txBody>
+          <a:bodyPr wrap="none" rtlCol="0">
+            <a:spAutoFit/>
+          </a:bodyPr>
+          <a:lstStyle/>
+          <a:p>
+            <a:r>
+              <a:rPr lang="pt-PT" dirty="0"/>
+              <a:t>B</a:t>
+            </a:r>
+            <a:r>
+              <a:rPr lang="en-US" dirty="0"/>
+              <a:t>locked threads</a:t>
+            </a:r>
+          </a:p>
+        </p:txBody>
+      </p:sp>
+      <p:sp>
+        <p:nvSpPr>
+          <p:cNvPr id="7" name="Speech Bubble: Rectangle with Corners Rounded 6">
+            <a:extLst>
+              <a:ext uri="{FF2B5EF4-FFF2-40B4-BE49-F238E27FC236}">
+                <a16:creationId xmlns:a16="http://schemas.microsoft.com/office/drawing/2014/main" id="{1538B982-357F-4AC9-93FA-1466AD48C57E}"/>
+              </a:ext>
+            </a:extLst>
+          </p:cNvPr>
+          <p:cNvSpPr/>
+          <p:nvPr/>
+        </p:nvSpPr>
+        <p:spPr>
+          <a:xfrm rot="10800000">
+            <a:off x="4659256" y="5251564"/>
+            <a:ext cx="1955300" cy="904776"/>
+          </a:xfrm>
+          <a:prstGeom prst="wedgeRoundRectCallout">
+            <a:avLst/>
+          </a:prstGeom>
+          <a:noFill/>
+          <a:ln w="9525" cap="flat" cmpd="sng" algn="ctr">
+            <a:solidFill>
+              <a:schemeClr val="dk1"/>
+            </a:solidFill>
+            <a:prstDash val="solid"/>
+            <a:round/>
+            <a:headEnd type="none" w="med" len="med"/>
+            <a:tailEnd type="none" w="med" len="med"/>
+          </a:ln>
+        </p:spPr>
+        <p:style>
+          <a:lnRef idx="0">
+            <a:scrgbClr r="0" g="0" b="0"/>
+          </a:lnRef>
+          <a:fillRef idx="0">
+            <a:scrgbClr r="0" g="0" b="0"/>
+          </a:fillRef>
+          <a:effectRef idx="0">
+            <a:scrgbClr r="0" g="0" b="0"/>
+          </a:effectRef>
+          <a:fontRef idx="minor">
+            <a:schemeClr val="dk1"/>
+          </a:fontRef>
+        </p:style>
+        <p:txBody>
+          <a:bodyPr rtlCol="0" anchor="ctr"/>
+          <a:lstStyle/>
+          <a:p>
+            <a:pPr algn="ctr"/>
+            <a:endParaRPr lang="en-US"/>
+          </a:p>
+        </p:txBody>
+      </p:sp>
+      <p:sp>
+        <p:nvSpPr>
+          <p:cNvPr id="10" name="TextBox 9">
+            <a:extLst>
+              <a:ext uri="{FF2B5EF4-FFF2-40B4-BE49-F238E27FC236}">
+                <a16:creationId xmlns:a16="http://schemas.microsoft.com/office/drawing/2014/main" id="{E05DD10D-44FD-4DFF-BBBD-768D432FE69F}"/>
+              </a:ext>
+            </a:extLst>
+          </p:cNvPr>
+          <p:cNvSpPr txBox="1"/>
+          <p:nvPr/>
+        </p:nvSpPr>
+        <p:spPr>
+          <a:xfrm>
+            <a:off x="4641279" y="5334620"/>
+            <a:ext cx="1991251" cy="369332"/>
+          </a:xfrm>
+          <a:prstGeom prst="rect">
+            <a:avLst/>
+          </a:prstGeom>
+          <a:noFill/>
+        </p:spPr>
+        <p:txBody>
+          <a:bodyPr wrap="none" rtlCol="0">
+            <a:spAutoFit/>
+          </a:bodyPr>
+          <a:lstStyle/>
+          <a:p>
+            <a:r>
+              <a:rPr lang="en-US" dirty="0"/>
+              <a:t>Blocked requests</a:t>
+            </a:r>
+          </a:p>
+        </p:txBody>
+      </p:sp>
+      <p:sp>
+        <p:nvSpPr>
+          <p:cNvPr id="19" name="TextBox 18">
+            <a:extLst>
+              <a:ext uri="{FF2B5EF4-FFF2-40B4-BE49-F238E27FC236}">
+                <a16:creationId xmlns:a16="http://schemas.microsoft.com/office/drawing/2014/main" id="{B6A22095-21C7-41CD-B905-0DA02A053125}"/>
+              </a:ext>
+            </a:extLst>
+          </p:cNvPr>
+          <p:cNvSpPr txBox="1"/>
+          <p:nvPr/>
+        </p:nvSpPr>
+        <p:spPr>
+          <a:xfrm>
+            <a:off x="5408316" y="5685288"/>
+            <a:ext cx="457176" cy="369332"/>
+          </a:xfrm>
+          <a:prstGeom prst="rect">
+            <a:avLst/>
+          </a:prstGeom>
+          <a:noFill/>
+        </p:spPr>
+        <p:txBody>
+          <a:bodyPr wrap="none" rtlCol="0">
+            <a:spAutoFit/>
+          </a:bodyPr>
+          <a:lstStyle/>
+          <a:p>
+            <a:r>
+              <a:rPr lang="en-US" dirty="0"/>
+              <a:t>C3</a:t>
+            </a:r>
+          </a:p>
+        </p:txBody>
+      </p:sp>
+      <p:cxnSp>
+        <p:nvCxnSpPr>
+          <p:cNvPr id="34" name="Straight Arrow Connector 33">
+            <a:extLst>
+              <a:ext uri="{FF2B5EF4-FFF2-40B4-BE49-F238E27FC236}">
+                <a16:creationId xmlns:a16="http://schemas.microsoft.com/office/drawing/2014/main" id="{91EE78E5-4857-41AC-B605-33378C411FB3}"/>
+              </a:ext>
+            </a:extLst>
+          </p:cNvPr>
+          <p:cNvCxnSpPr>
+            <a:cxnSpLocks/>
+            <a:stCxn id="5" idx="1"/>
+            <a:endCxn id="4" idx="3"/>
+          </p:cNvCxnSpPr>
+          <p:nvPr/>
+        </p:nvCxnSpPr>
+        <p:spPr>
+          <a:xfrm flipH="1" flipV="1">
+            <a:off x="1721706" y="2801605"/>
+            <a:ext cx="3661822" cy="1469825"/>
+          </a:xfrm>
+          <a:prstGeom prst="straightConnector1">
+            <a:avLst/>
+          </a:prstGeom>
+          <a:ln w="25400">
+            <a:tailEnd type="triangle"/>
+          </a:ln>
+        </p:spPr>
+        <p:style>
+          <a:lnRef idx="1">
+            <a:schemeClr val="dk1"/>
+          </a:lnRef>
+          <a:fillRef idx="0">
+            <a:schemeClr val="dk1"/>
+          </a:fillRef>
+          <a:effectRef idx="0">
+            <a:schemeClr val="dk1"/>
+          </a:effectRef>
+          <a:fontRef idx="minor">
+            <a:schemeClr val="tx1"/>
+          </a:fontRef>
+        </p:style>
+      </p:cxnSp>
+    </p:spTree>
+    <p:extLst>
+      <p:ext uri="{BB962C8B-B14F-4D97-AF65-F5344CB8AC3E}">
+        <p14:creationId xmlns:p14="http://schemas.microsoft.com/office/powerpoint/2010/main" val="1741405637"/>
+      </p:ext>
+    </p:extLst>
+  </p:cSld>
+  <p:clrMapOvr>
+    <a:masterClrMapping/>
+  </p:clrMapOvr>
+  <p:timing>
+    <p:tnLst>
+      <p:par>
+        <p:cTn id="1" dur="indefinite" restart="never" nodeType="tmRoot">
+          <p:childTnLst>
+            <p:seq concurrent="1" nextAc="seek">
+              <p:cTn id="2" dur="indefinite" nodeType="mainSeq">
+                <p:childTnLst>
+                  <p:par>
+                    <p:cTn id="3" fill="hold">
+                      <p:stCondLst>
+                        <p:cond delay="indefinite"/>
+                      </p:stCondLst>
+                      <p:childTnLst>
+                        <p:par>
+                          <p:cTn id="4" fill="hold">
+                            <p:stCondLst>
+                              <p:cond delay="0"/>
+                            </p:stCondLst>
+                            <p:childTnLst>
+                              <p:par>
+                                <p:cTn id="5" presetID="10" presetClass="exit" presetSubtype="0" fill="hold" grpId="0" nodeType="clickEffect">
+                                  <p:stCondLst>
+                                    <p:cond delay="0"/>
+                                  </p:stCondLst>
+                                  <p:childTnLst>
+                                    <p:animEffect transition="out" filter="fade">
+                                      <p:cBhvr>
+                                        <p:cTn id="6" dur="500"/>
+                                        <p:tgtEl>
+                                          <p:spTgt spid="45"/>
+                                        </p:tgtEl>
+                                      </p:cBhvr>
+                                    </p:animEffect>
+                                    <p:set>
+                                      <p:cBhvr>
+                                        <p:cTn id="7" dur="1" fill="hold">
+                                          <p:stCondLst>
+                                            <p:cond delay="499"/>
+                                          </p:stCondLst>
+                                        </p:cTn>
+                                        <p:tgtEl>
+                                          <p:spTgt spid="45"/>
+                                        </p:tgtEl>
+                                        <p:attrNameLst>
+                                          <p:attrName>style.visibility</p:attrName>
+                                        </p:attrNameLst>
+                                      </p:cBhvr>
+                                      <p:to>
+                                        <p:strVal val="hidden"/>
+                                      </p:to>
+                                    </p:set>
+                                  </p:childTnLst>
+                                </p:cTn>
+                              </p:par>
+                              <p:par>
+                                <p:cTn id="8" presetID="10" presetClass="entr" presetSubtype="0" fill="hold" nodeType="withEffect">
+                                  <p:stCondLst>
+                                    <p:cond delay="0"/>
+                                  </p:stCondLst>
+                                  <p:childTnLst>
+                                    <p:set>
+                                      <p:cBhvr>
+                                        <p:cTn id="9" dur="1" fill="hold">
+                                          <p:stCondLst>
+                                            <p:cond delay="0"/>
+                                          </p:stCondLst>
+                                        </p:cTn>
+                                        <p:tgtEl>
+                                          <p:spTgt spid="31"/>
+                                        </p:tgtEl>
+                                        <p:attrNameLst>
+                                          <p:attrName>style.visibility</p:attrName>
+                                        </p:attrNameLst>
+                                      </p:cBhvr>
+                                      <p:to>
+                                        <p:strVal val="visible"/>
+                                      </p:to>
+                                    </p:set>
+                                    <p:animEffect transition="in" filter="fade">
+                                      <p:cBhvr>
+                                        <p:cTn id="10" dur="500"/>
+                                        <p:tgtEl>
+                                          <p:spTgt spid="31"/>
+                                        </p:tgtEl>
+                                      </p:cBhvr>
+                                    </p:animEffect>
+                                  </p:childTnLst>
+                                </p:cTn>
+                              </p:par>
+                              <p:par>
+                                <p:cTn id="11" presetID="42" presetClass="path" presetSubtype="0" accel="50000" decel="50000" fill="hold" grpId="0" nodeType="withEffect">
+                                  <p:stCondLst>
+                                    <p:cond delay="0"/>
+                                  </p:stCondLst>
+                                  <p:childTnLst>
+                                    <p:animMotion origin="layout" path="M -3.75E-6 -4.07407E-6 L -0.03645 0.00024 " pathEditMode="relative" rAng="0" ptsTypes="AA">
+                                      <p:cBhvr>
+                                        <p:cTn id="12" dur="2000" fill="hold"/>
+                                        <p:tgtEl>
+                                          <p:spTgt spid="46"/>
+                                        </p:tgtEl>
+                                        <p:attrNameLst>
+                                          <p:attrName>ppt_x</p:attrName>
+                                          <p:attrName>ppt_y</p:attrName>
+                                        </p:attrNameLst>
+                                      </p:cBhvr>
+                                      <p:rCtr x="-1823" y="0"/>
+                                    </p:animMotion>
+                                  </p:childTnLst>
+                                </p:cTn>
+                              </p:par>
+                            </p:childTnLst>
+                          </p:cTn>
+                        </p:par>
+                      </p:childTnLst>
+                    </p:cTn>
+                  </p:par>
+                  <p:par>
+                    <p:cTn id="13" fill="hold">
+                      <p:stCondLst>
+                        <p:cond delay="indefinite"/>
+                      </p:stCondLst>
+                      <p:childTnLst>
+                        <p:par>
+                          <p:cTn id="14" fill="hold">
+                            <p:stCondLst>
+                              <p:cond delay="0"/>
+                            </p:stCondLst>
+                            <p:childTnLst>
+                              <p:par>
+                                <p:cTn id="15" presetID="10" presetClass="entr" presetSubtype="0" fill="hold" nodeType="clickEffect">
+                                  <p:stCondLst>
+                                    <p:cond delay="0"/>
+                                  </p:stCondLst>
+                                  <p:childTnLst>
+                                    <p:set>
+                                      <p:cBhvr>
+                                        <p:cTn id="16" dur="1" fill="hold">
+                                          <p:stCondLst>
+                                            <p:cond delay="0"/>
+                                          </p:stCondLst>
+                                        </p:cTn>
+                                        <p:tgtEl>
+                                          <p:spTgt spid="34"/>
+                                        </p:tgtEl>
+                                        <p:attrNameLst>
+                                          <p:attrName>style.visibility</p:attrName>
+                                        </p:attrNameLst>
+                                      </p:cBhvr>
+                                      <p:to>
+                                        <p:strVal val="visible"/>
+                                      </p:to>
+                                    </p:set>
+                                    <p:animEffect transition="in" filter="fade">
+                                      <p:cBhvr>
+                                        <p:cTn id="17" dur="500"/>
+                                        <p:tgtEl>
+                                          <p:spTgt spid="34"/>
+                                        </p:tgtEl>
+                                      </p:cBhvr>
+                                    </p:animEffect>
+                                  </p:childTnLst>
+                                </p:cTn>
+                              </p:par>
+                            </p:childTnLst>
+                          </p:cTn>
+                        </p:par>
+                      </p:childTnLst>
+                    </p:cTn>
+                  </p:par>
+                  <p:par>
+                    <p:cTn id="18" fill="hold">
+                      <p:stCondLst>
+                        <p:cond delay="indefinite"/>
+                      </p:stCondLst>
+                      <p:childTnLst>
+                        <p:par>
+                          <p:cTn id="19" fill="hold">
+                            <p:stCondLst>
+                              <p:cond delay="0"/>
+                            </p:stCondLst>
+                            <p:childTnLst>
+                              <p:par>
+                                <p:cTn id="20" presetID="10" presetClass="entr" presetSubtype="0" fill="hold" grpId="0" nodeType="clickEffect">
+                                  <p:stCondLst>
+                                    <p:cond delay="0"/>
+                                  </p:stCondLst>
+                                  <p:childTnLst>
+                                    <p:set>
+                                      <p:cBhvr>
+                                        <p:cTn id="21" dur="1" fill="hold">
+                                          <p:stCondLst>
+                                            <p:cond delay="0"/>
+                                          </p:stCondLst>
+                                        </p:cTn>
+                                        <p:tgtEl>
+                                          <p:spTgt spid="36"/>
+                                        </p:tgtEl>
+                                        <p:attrNameLst>
+                                          <p:attrName>style.visibility</p:attrName>
+                                        </p:attrNameLst>
+                                      </p:cBhvr>
+                                      <p:to>
+                                        <p:strVal val="visible"/>
+                                      </p:to>
+                                    </p:set>
+                                    <p:animEffect transition="in" filter="fade">
+                                      <p:cBhvr>
+                                        <p:cTn id="22" dur="500"/>
+                                        <p:tgtEl>
+                                          <p:spTgt spid="36"/>
+                                        </p:tgtEl>
+                                      </p:cBhvr>
+                                    </p:animEffect>
+                                  </p:childTnLst>
+                                </p:cTn>
+                              </p:par>
+                              <p:par>
+                                <p:cTn id="23" presetID="10" presetClass="exit" presetSubtype="0" fill="hold" nodeType="withEffect">
+                                  <p:stCondLst>
+                                    <p:cond delay="0"/>
+                                  </p:stCondLst>
+                                  <p:childTnLst>
+                                    <p:animEffect transition="out" filter="fade">
+                                      <p:cBhvr>
+                                        <p:cTn id="24" dur="500"/>
+                                        <p:tgtEl>
+                                          <p:spTgt spid="34"/>
+                                        </p:tgtEl>
+                                      </p:cBhvr>
+                                    </p:animEffect>
+                                    <p:set>
+                                      <p:cBhvr>
+                                        <p:cTn id="25" dur="1" fill="hold">
+                                          <p:stCondLst>
+                                            <p:cond delay="499"/>
+                                          </p:stCondLst>
+                                        </p:cTn>
+                                        <p:tgtEl>
+                                          <p:spTgt spid="34"/>
+                                        </p:tgtEl>
+                                        <p:attrNameLst>
+                                          <p:attrName>style.visibility</p:attrName>
+                                        </p:attrNameLst>
+                                      </p:cBhvr>
+                                      <p:to>
+                                        <p:strVal val="hidden"/>
+                                      </p:to>
+                                    </p:set>
+                                  </p:childTnLst>
+                                </p:cTn>
+                              </p:par>
+                              <p:par>
+                                <p:cTn id="26" presetID="10" presetClass="exit" presetSubtype="0" fill="hold" nodeType="withEffect">
+                                  <p:stCondLst>
+                                    <p:cond delay="0"/>
+                                  </p:stCondLst>
+                                  <p:childTnLst>
+                                    <p:animEffect transition="out" filter="fade">
+                                      <p:cBhvr>
+                                        <p:cTn id="27" dur="500"/>
+                                        <p:tgtEl>
+                                          <p:spTgt spid="31"/>
+                                        </p:tgtEl>
+                                      </p:cBhvr>
+                                    </p:animEffect>
+                                    <p:set>
+                                      <p:cBhvr>
+                                        <p:cTn id="28" dur="1" fill="hold">
+                                          <p:stCondLst>
+                                            <p:cond delay="499"/>
+                                          </p:stCondLst>
+                                        </p:cTn>
+                                        <p:tgtEl>
+                                          <p:spTgt spid="31"/>
+                                        </p:tgtEl>
+                                        <p:attrNameLst>
+                                          <p:attrName>style.visibility</p:attrName>
+                                        </p:attrNameLst>
+                                      </p:cBhvr>
+                                      <p:to>
+                                        <p:strVal val="hidden"/>
+                                      </p:to>
+                                    </p:set>
+                                  </p:childTnLst>
+                                </p:cTn>
+                              </p:par>
+                            </p:childTnLst>
+                          </p:cTn>
+                        </p:par>
+                      </p:childTnLst>
+                    </p:cTn>
+                  </p:par>
+                  <p:par>
+                    <p:cTn id="29" fill="hold">
+                      <p:stCondLst>
+                        <p:cond delay="indefinite"/>
+                      </p:stCondLst>
+                      <p:childTnLst>
+                        <p:par>
+                          <p:cTn id="30" fill="hold">
+                            <p:stCondLst>
+                              <p:cond delay="0"/>
+                            </p:stCondLst>
+                            <p:childTnLst>
+                              <p:par>
+                                <p:cTn id="31" presetID="10" presetClass="exit" presetSubtype="0" fill="hold" grpId="1" nodeType="clickEffect">
+                                  <p:stCondLst>
+                                    <p:cond delay="0"/>
+                                  </p:stCondLst>
+                                  <p:childTnLst>
+                                    <p:animEffect transition="out" filter="fade">
+                                      <p:cBhvr>
+                                        <p:cTn id="32" dur="500"/>
+                                        <p:tgtEl>
+                                          <p:spTgt spid="36"/>
+                                        </p:tgtEl>
+                                      </p:cBhvr>
+                                    </p:animEffect>
+                                    <p:set>
+                                      <p:cBhvr>
+                                        <p:cTn id="33" dur="1" fill="hold">
+                                          <p:stCondLst>
+                                            <p:cond delay="499"/>
+                                          </p:stCondLst>
+                                        </p:cTn>
+                                        <p:tgtEl>
+                                          <p:spTgt spid="36"/>
+                                        </p:tgtEl>
+                                        <p:attrNameLst>
+                                          <p:attrName>style.visibility</p:attrName>
+                                        </p:attrNameLst>
+                                      </p:cBhvr>
+                                      <p:to>
+                                        <p:strVal val="hidden"/>
+                                      </p:to>
+                                    </p:set>
+                                  </p:childTnLst>
+                                </p:cTn>
+                              </p:par>
+                              <p:par>
+                                <p:cTn id="34" presetID="10" presetClass="exit" presetSubtype="0" fill="hold" grpId="0" nodeType="withEffect">
+                                  <p:stCondLst>
+                                    <p:cond delay="0"/>
+                                  </p:stCondLst>
+                                  <p:childTnLst>
+                                    <p:animEffect transition="out" filter="fade">
+                                      <p:cBhvr>
+                                        <p:cTn id="35" dur="500"/>
+                                        <p:tgtEl>
+                                          <p:spTgt spid="19"/>
+                                        </p:tgtEl>
+                                      </p:cBhvr>
+                                    </p:animEffect>
+                                    <p:set>
+                                      <p:cBhvr>
+                                        <p:cTn id="36" dur="1" fill="hold">
+                                          <p:stCondLst>
+                                            <p:cond delay="499"/>
+                                          </p:stCondLst>
+                                        </p:cTn>
+                                        <p:tgtEl>
+                                          <p:spTgt spid="19"/>
+                                        </p:tgtEl>
+                                        <p:attrNameLst>
+                                          <p:attrName>style.visibility</p:attrName>
+                                        </p:attrNameLst>
+                                      </p:cBhvr>
+                                      <p:to>
+                                        <p:strVal val="hidden"/>
+                                      </p:to>
+                                    </p:set>
+                                  </p:childTnLst>
+                                </p:cTn>
+                              </p:par>
+                            </p:childTnLst>
+                          </p:cTn>
+                        </p:par>
+                      </p:childTnLst>
+                    </p:cTn>
+                  </p:par>
+                </p:childTnLst>
+              </p:cTn>
+              <p:prevCondLst>
+                <p:cond evt="onPrev" delay="0">
+                  <p:tgtEl>
+                    <p:sldTgt/>
+                  </p:tgtEl>
+                </p:cond>
+              </p:prevCondLst>
+              <p:nextCondLst>
+                <p:cond evt="onNext" delay="0">
+                  <p:tgtEl>
+                    <p:sldTgt/>
+                  </p:tgtEl>
+                </p:cond>
+              </p:nextCondLst>
+            </p:seq>
+          </p:childTnLst>
+        </p:cTn>
+      </p:par>
+    </p:tnLst>
+    <p:bldLst>
+      <p:bldP spid="36" grpId="0"/>
+      <p:bldP spid="36" grpId="1"/>
+      <p:bldP spid="45" grpId="0"/>
+      <p:bldP spid="46" grpId="0"/>
+      <p:bldP spid="19" grpId="0"/>
+    </p:bldLst>
+  </p:timing>
+</p:sld>
+</file>
+
+<file path=ppt/slides/slide8.xml><?xml version="1.0" encoding="utf-8"?>
+<p:sld xmlns:a="http://schemas.openxmlformats.org/drawingml/2006/main" xmlns:r="http://schemas.openxmlformats.org/officeDocument/2006/relationships" xmlns:p="http://schemas.openxmlformats.org/presentationml/2006/main">
+  <p:cSld>
+    <p:spTree>
+      <p:nvGrpSpPr>
+        <p:cNvPr id="1" name=""/>
+        <p:cNvGrpSpPr/>
+        <p:nvPr/>
+      </p:nvGrpSpPr>
+      <p:grpSpPr>
+        <a:xfrm>
+          <a:off x="0" y="0"/>
+          <a:ext cx="0" cy="0"/>
+          <a:chOff x="0" y="0"/>
+          <a:chExt cx="0" cy="0"/>
+        </a:xfrm>
+      </p:grpSpPr>
+      <p:sp>
+        <p:nvSpPr>
+          <p:cNvPr id="32" name="TextBox 31">
+            <a:extLst>
+              <a:ext uri="{FF2B5EF4-FFF2-40B4-BE49-F238E27FC236}">
+                <a16:creationId xmlns:a16="http://schemas.microsoft.com/office/drawing/2014/main" id="{6E6BB669-3749-4922-BB6E-8660CBDAE416}"/>
+              </a:ext>
+            </a:extLst>
+          </p:cNvPr>
+          <p:cNvSpPr txBox="1"/>
+          <p:nvPr/>
+        </p:nvSpPr>
+        <p:spPr>
+          <a:xfrm>
+            <a:off x="9483631" y="2814316"/>
+            <a:ext cx="444352" cy="369332"/>
+          </a:xfrm>
+          <a:prstGeom prst="rect">
+            <a:avLst/>
+          </a:prstGeom>
+          <a:noFill/>
+        </p:spPr>
+        <p:txBody>
+          <a:bodyPr wrap="none" rtlCol="0">
+            <a:spAutoFit/>
+          </a:bodyPr>
+          <a:lstStyle/>
+          <a:p>
+            <a:r>
+              <a:rPr lang="pt-PT" dirty="0"/>
+              <a:t>T1</a:t>
+            </a:r>
+            <a:endParaRPr lang="en-US" dirty="0"/>
+          </a:p>
+        </p:txBody>
+      </p:sp>
+      <p:sp>
+        <p:nvSpPr>
+          <p:cNvPr id="2" name="Title 1">
+            <a:extLst>
+              <a:ext uri="{FF2B5EF4-FFF2-40B4-BE49-F238E27FC236}">
+                <a16:creationId xmlns:a16="http://schemas.microsoft.com/office/drawing/2014/main" id="{6634B485-048A-4F7C-8FBC-5A485EC86D9C}"/>
+              </a:ext>
+            </a:extLst>
+          </p:cNvPr>
+          <p:cNvSpPr>
+            <a:spLocks noGrp="1"/>
+          </p:cNvSpPr>
+          <p:nvPr>
+            <p:ph type="title"/>
+          </p:nvPr>
+        </p:nvSpPr>
+        <p:spPr/>
+        <p:txBody>
+          <a:bodyPr/>
+          <a:lstStyle/>
+          <a:p>
+            <a:r>
+              <a:rPr lang="en-US" dirty="0"/>
+              <a:t>No async</a:t>
+            </a:r>
+          </a:p>
+        </p:txBody>
+      </p:sp>
+      <p:pic>
+        <p:nvPicPr>
+          <p:cNvPr id="5" name="Picture 4">
+            <a:extLst>
+              <a:ext uri="{FF2B5EF4-FFF2-40B4-BE49-F238E27FC236}">
+                <a16:creationId xmlns:a16="http://schemas.microsoft.com/office/drawing/2014/main" id="{4DC7BD4E-81FC-431E-9970-7E66BA325C0E}"/>
+              </a:ext>
+            </a:extLst>
+          </p:cNvPr>
+          <p:cNvPicPr>
+            <a:picLocks noChangeAspect="1"/>
+          </p:cNvPicPr>
+          <p:nvPr/>
+        </p:nvPicPr>
+        <p:blipFill>
+          <a:blip r:embed="rId2">
+            <a:extLst>
+              <a:ext uri="{28A0092B-C50C-407E-A947-70E740481C1C}">
+                <a14:useLocalDpi xmlns:a14="http://schemas.microsoft.com/office/drawing/2010/main" val="0"/>
+              </a:ext>
+            </a:extLst>
+          </a:blip>
+          <a:stretch>
+            <a:fillRect/>
+          </a:stretch>
+        </p:blipFill>
+        <p:spPr>
+          <a:xfrm>
+            <a:off x="5383528" y="3551430"/>
+            <a:ext cx="1440000" cy="1440000"/>
+          </a:xfrm>
+          <a:prstGeom prst="rect">
+            <a:avLst/>
+          </a:prstGeom>
+        </p:spPr>
+      </p:pic>
+      <p:pic>
+        <p:nvPicPr>
+          <p:cNvPr id="6" name="Picture 5">
+            <a:extLst>
+              <a:ext uri="{FF2B5EF4-FFF2-40B4-BE49-F238E27FC236}">
+                <a16:creationId xmlns:a16="http://schemas.microsoft.com/office/drawing/2014/main" id="{596E0848-4998-4B71-9B9F-A00601E2DE81}"/>
+              </a:ext>
+            </a:extLst>
+          </p:cNvPr>
+          <p:cNvPicPr>
+            <a:picLocks noChangeAspect="1"/>
+          </p:cNvPicPr>
+          <p:nvPr/>
+        </p:nvPicPr>
+        <p:blipFill>
+          <a:blip r:embed="rId3">
+            <a:extLst>
+              <a:ext uri="{28A0092B-C50C-407E-A947-70E740481C1C}">
+                <a14:useLocalDpi xmlns:a14="http://schemas.microsoft.com/office/drawing/2010/main" val="0"/>
+              </a:ext>
+            </a:extLst>
+          </a:blip>
+          <a:stretch>
+            <a:fillRect/>
+          </a:stretch>
+        </p:blipFill>
+        <p:spPr>
+          <a:xfrm>
+            <a:off x="9913800" y="3551430"/>
+            <a:ext cx="1440000" cy="1440000"/>
+          </a:xfrm>
+          <a:prstGeom prst="rect">
+            <a:avLst/>
+          </a:prstGeom>
+        </p:spPr>
+      </p:pic>
+      <p:grpSp>
+        <p:nvGrpSpPr>
+          <p:cNvPr id="9" name="Group 8">
+            <a:extLst>
+              <a:ext uri="{FF2B5EF4-FFF2-40B4-BE49-F238E27FC236}">
+                <a16:creationId xmlns:a16="http://schemas.microsoft.com/office/drawing/2014/main" id="{EEF38727-67AC-4950-9A78-448529F0315C}"/>
+              </a:ext>
+            </a:extLst>
+          </p:cNvPr>
+          <p:cNvGrpSpPr/>
+          <p:nvPr/>
+        </p:nvGrpSpPr>
+        <p:grpSpPr>
+          <a:xfrm>
+            <a:off x="869424" y="2085344"/>
+            <a:ext cx="984565" cy="1076261"/>
+            <a:chOff x="838200" y="1440820"/>
+            <a:chExt cx="984565" cy="1076261"/>
+          </a:xfrm>
+        </p:grpSpPr>
+        <p:pic>
+          <p:nvPicPr>
+            <p:cNvPr id="4" name="Content Placeholder 4">
+              <a:extLst>
+                <a:ext uri="{FF2B5EF4-FFF2-40B4-BE49-F238E27FC236}">
+                  <a16:creationId xmlns:a16="http://schemas.microsoft.com/office/drawing/2014/main" id="{2B4DC066-184F-40B6-9371-6F2D63F5B831}"/>
+                </a:ext>
+              </a:extLst>
+            </p:cNvPr>
+            <p:cNvPicPr>
+              <a:picLocks noChangeAspect="1"/>
+            </p:cNvPicPr>
+            <p:nvPr/>
+          </p:nvPicPr>
+          <p:blipFill>
+            <a:blip r:embed="rId4">
+              <a:extLst>
+                <a:ext uri="{28A0092B-C50C-407E-A947-70E740481C1C}">
+                  <a14:useLocalDpi xmlns:a14="http://schemas.microsoft.com/office/drawing/2010/main" val="0"/>
+                </a:ext>
+              </a:extLst>
+            </a:blip>
+            <a:stretch>
+              <a:fillRect/>
+            </a:stretch>
+          </p:blipFill>
+          <p:spPr>
+            <a:xfrm>
+              <a:off x="970482" y="1797081"/>
+              <a:ext cx="720000" cy="720000"/>
+            </a:xfrm>
+            <a:prstGeom prst="rect">
+              <a:avLst/>
+            </a:prstGeom>
+          </p:spPr>
+        </p:pic>
+        <p:sp>
+          <p:nvSpPr>
+            <p:cNvPr id="8" name="TextBox 7">
+              <a:extLst>
+                <a:ext uri="{FF2B5EF4-FFF2-40B4-BE49-F238E27FC236}">
+                  <a16:creationId xmlns:a16="http://schemas.microsoft.com/office/drawing/2014/main" id="{CAA0151E-5764-40FD-9E50-3FE79AD8F0FC}"/>
+                </a:ext>
+              </a:extLst>
+            </p:cNvPr>
+            <p:cNvSpPr txBox="1"/>
+            <p:nvPr/>
+          </p:nvSpPr>
+          <p:spPr>
+            <a:xfrm>
+              <a:off x="838200" y="1440820"/>
+              <a:ext cx="984565" cy="369332"/>
+            </a:xfrm>
+            <a:prstGeom prst="rect">
+              <a:avLst/>
+            </a:prstGeom>
+            <a:noFill/>
+          </p:spPr>
+          <p:txBody>
+            <a:bodyPr wrap="none" rtlCol="0">
+              <a:spAutoFit/>
+            </a:bodyPr>
+            <a:lstStyle/>
+            <a:p>
+              <a:r>
+                <a:rPr lang="en-US" dirty="0"/>
+                <a:t>Client 1</a:t>
+              </a:r>
+            </a:p>
+          </p:txBody>
+        </p:sp>
+      </p:grpSp>
+      <p:grpSp>
+        <p:nvGrpSpPr>
+          <p:cNvPr id="12" name="Group 11">
+            <a:extLst>
+              <a:ext uri="{FF2B5EF4-FFF2-40B4-BE49-F238E27FC236}">
+                <a16:creationId xmlns:a16="http://schemas.microsoft.com/office/drawing/2014/main" id="{2F427B00-F42A-4F9C-8EF4-9E3045E66BD2}"/>
+              </a:ext>
+            </a:extLst>
+          </p:cNvPr>
+          <p:cNvGrpSpPr/>
+          <p:nvPr/>
+        </p:nvGrpSpPr>
+        <p:grpSpPr>
+          <a:xfrm>
+            <a:off x="853256" y="3517866"/>
+            <a:ext cx="984565" cy="1076261"/>
+            <a:chOff x="838200" y="1440820"/>
+            <a:chExt cx="984565" cy="1076261"/>
+          </a:xfrm>
+        </p:grpSpPr>
+        <p:pic>
+          <p:nvPicPr>
+            <p:cNvPr id="13" name="Content Placeholder 4">
+              <a:extLst>
+                <a:ext uri="{FF2B5EF4-FFF2-40B4-BE49-F238E27FC236}">
+                  <a16:creationId xmlns:a16="http://schemas.microsoft.com/office/drawing/2014/main" id="{5F81FDD8-C883-49F6-9CBD-66E0631734FD}"/>
+                </a:ext>
+              </a:extLst>
+            </p:cNvPr>
+            <p:cNvPicPr>
+              <a:picLocks noChangeAspect="1"/>
+            </p:cNvPicPr>
+            <p:nvPr/>
+          </p:nvPicPr>
+          <p:blipFill>
+            <a:blip r:embed="rId4">
+              <a:extLst>
+                <a:ext uri="{28A0092B-C50C-407E-A947-70E740481C1C}">
+                  <a14:useLocalDpi xmlns:a14="http://schemas.microsoft.com/office/drawing/2010/main" val="0"/>
+                </a:ext>
+              </a:extLst>
+            </a:blip>
+            <a:stretch>
+              <a:fillRect/>
+            </a:stretch>
+          </p:blipFill>
+          <p:spPr>
+            <a:xfrm>
+              <a:off x="970482" y="1797081"/>
+              <a:ext cx="720000" cy="720000"/>
+            </a:xfrm>
+            <a:prstGeom prst="rect">
+              <a:avLst/>
+            </a:prstGeom>
+          </p:spPr>
+        </p:pic>
+        <p:sp>
+          <p:nvSpPr>
+            <p:cNvPr id="14" name="TextBox 13">
+              <a:extLst>
+                <a:ext uri="{FF2B5EF4-FFF2-40B4-BE49-F238E27FC236}">
+                  <a16:creationId xmlns:a16="http://schemas.microsoft.com/office/drawing/2014/main" id="{B50E748E-9241-44BF-86DD-36D1544EC006}"/>
+                </a:ext>
+              </a:extLst>
+            </p:cNvPr>
+            <p:cNvSpPr txBox="1"/>
+            <p:nvPr/>
+          </p:nvSpPr>
+          <p:spPr>
+            <a:xfrm>
+              <a:off x="838200" y="1440820"/>
+              <a:ext cx="984565" cy="369332"/>
+            </a:xfrm>
+            <a:prstGeom prst="rect">
+              <a:avLst/>
+            </a:prstGeom>
+            <a:noFill/>
+          </p:spPr>
+          <p:txBody>
+            <a:bodyPr wrap="none" rtlCol="0">
+              <a:spAutoFit/>
+            </a:bodyPr>
+            <a:lstStyle/>
+            <a:p>
+              <a:r>
+                <a:rPr lang="en-US" dirty="0"/>
+                <a:t>Client 2</a:t>
+              </a:r>
+            </a:p>
+          </p:txBody>
+        </p:sp>
+      </p:grpSp>
+      <p:grpSp>
+        <p:nvGrpSpPr>
+          <p:cNvPr id="15" name="Group 14">
+            <a:extLst>
+              <a:ext uri="{FF2B5EF4-FFF2-40B4-BE49-F238E27FC236}">
+                <a16:creationId xmlns:a16="http://schemas.microsoft.com/office/drawing/2014/main" id="{BADACC9B-6FC2-457F-982B-B32A8D7F49DA}"/>
+              </a:ext>
+            </a:extLst>
+          </p:cNvPr>
+          <p:cNvGrpSpPr/>
+          <p:nvPr/>
+        </p:nvGrpSpPr>
+        <p:grpSpPr>
+          <a:xfrm>
+            <a:off x="869423" y="4858064"/>
+            <a:ext cx="984565" cy="1076261"/>
+            <a:chOff x="838200" y="1440820"/>
+            <a:chExt cx="984565" cy="1076261"/>
+          </a:xfrm>
+        </p:grpSpPr>
+        <p:pic>
+          <p:nvPicPr>
+            <p:cNvPr id="16" name="Content Placeholder 4">
+              <a:extLst>
+                <a:ext uri="{FF2B5EF4-FFF2-40B4-BE49-F238E27FC236}">
+                  <a16:creationId xmlns:a16="http://schemas.microsoft.com/office/drawing/2014/main" id="{F7E6742A-A2FC-4577-A53A-3076C1D3D179}"/>
+                </a:ext>
+              </a:extLst>
+            </p:cNvPr>
+            <p:cNvPicPr>
+              <a:picLocks noChangeAspect="1"/>
+            </p:cNvPicPr>
+            <p:nvPr/>
+          </p:nvPicPr>
+          <p:blipFill>
+            <a:blip r:embed="rId4">
+              <a:extLst>
+                <a:ext uri="{28A0092B-C50C-407E-A947-70E740481C1C}">
+                  <a14:useLocalDpi xmlns:a14="http://schemas.microsoft.com/office/drawing/2010/main" val="0"/>
+                </a:ext>
+              </a:extLst>
+            </a:blip>
+            <a:stretch>
+              <a:fillRect/>
+            </a:stretch>
+          </p:blipFill>
+          <p:spPr>
+            <a:xfrm>
+              <a:off x="970482" y="1797081"/>
+              <a:ext cx="720000" cy="720000"/>
+            </a:xfrm>
+            <a:prstGeom prst="rect">
+              <a:avLst/>
+            </a:prstGeom>
+          </p:spPr>
+        </p:pic>
+        <p:sp>
+          <p:nvSpPr>
+            <p:cNvPr id="17" name="TextBox 16">
+              <a:extLst>
+                <a:ext uri="{FF2B5EF4-FFF2-40B4-BE49-F238E27FC236}">
+                  <a16:creationId xmlns:a16="http://schemas.microsoft.com/office/drawing/2014/main" id="{D240F3E4-627B-4EE2-A0F8-99425E472DC4}"/>
+                </a:ext>
+              </a:extLst>
+            </p:cNvPr>
+            <p:cNvSpPr txBox="1"/>
+            <p:nvPr/>
+          </p:nvSpPr>
+          <p:spPr>
+            <a:xfrm>
+              <a:off x="838200" y="1440820"/>
+              <a:ext cx="984565" cy="369332"/>
+            </a:xfrm>
+            <a:prstGeom prst="rect">
+              <a:avLst/>
+            </a:prstGeom>
+            <a:noFill/>
+          </p:spPr>
+          <p:txBody>
+            <a:bodyPr wrap="none" rtlCol="0">
+              <a:spAutoFit/>
+            </a:bodyPr>
+            <a:lstStyle/>
+            <a:p>
+              <a:r>
+                <a:rPr lang="en-US" dirty="0"/>
+                <a:t>Client 3</a:t>
+              </a:r>
+            </a:p>
+          </p:txBody>
+        </p:sp>
+      </p:grpSp>
+      <p:sp>
+        <p:nvSpPr>
+          <p:cNvPr id="38" name="Speech Bubble: Rectangle with Corners Rounded 37">
+            <a:extLst>
+              <a:ext uri="{FF2B5EF4-FFF2-40B4-BE49-F238E27FC236}">
+                <a16:creationId xmlns:a16="http://schemas.microsoft.com/office/drawing/2014/main" id="{A14B44A1-1019-44D1-8219-1994F24FA08F}"/>
+              </a:ext>
+            </a:extLst>
+          </p:cNvPr>
+          <p:cNvSpPr/>
+          <p:nvPr/>
+        </p:nvSpPr>
+        <p:spPr>
+          <a:xfrm>
+            <a:off x="4844089" y="2398261"/>
+            <a:ext cx="1848814" cy="944182"/>
+          </a:xfrm>
+          <a:prstGeom prst="wedgeRoundRectCallout">
+            <a:avLst>
+              <a:gd name="adj1" fmla="val 20905"/>
+              <a:gd name="adj2" fmla="val 66752"/>
+              <a:gd name="adj3" fmla="val 16667"/>
+            </a:avLst>
+          </a:prstGeom>
+          <a:noFill/>
+          <a:ln w="9525" cap="flat" cmpd="sng" algn="ctr">
+            <a:solidFill>
+              <a:schemeClr val="dk1"/>
+            </a:solidFill>
+            <a:prstDash val="solid"/>
+            <a:round/>
+            <a:headEnd type="none" w="med" len="med"/>
+            <a:tailEnd type="none" w="med" len="med"/>
+          </a:ln>
+        </p:spPr>
+        <p:style>
+          <a:lnRef idx="0">
+            <a:scrgbClr r="0" g="0" b="0"/>
+          </a:lnRef>
+          <a:fillRef idx="0">
+            <a:scrgbClr r="0" g="0" b="0"/>
+          </a:fillRef>
+          <a:effectRef idx="0">
+            <a:scrgbClr r="0" g="0" b="0"/>
+          </a:effectRef>
+          <a:fontRef idx="minor">
+            <a:schemeClr val="dk1"/>
+          </a:fontRef>
+        </p:style>
+        <p:txBody>
+          <a:bodyPr rtlCol="0" anchor="ctr"/>
+          <a:lstStyle/>
+          <a:p>
+            <a:pPr algn="ctr"/>
+            <a:endParaRPr lang="en-US"/>
+          </a:p>
+        </p:txBody>
+      </p:sp>
+      <p:sp>
+        <p:nvSpPr>
+          <p:cNvPr id="42" name="TextBox 41">
+            <a:extLst>
+              <a:ext uri="{FF2B5EF4-FFF2-40B4-BE49-F238E27FC236}">
+                <a16:creationId xmlns:a16="http://schemas.microsoft.com/office/drawing/2014/main" id="{C0C2520E-126A-49A2-80C3-932DD66013FA}"/>
+              </a:ext>
+            </a:extLst>
+          </p:cNvPr>
+          <p:cNvSpPr txBox="1"/>
+          <p:nvPr/>
+        </p:nvSpPr>
+        <p:spPr>
+          <a:xfrm>
+            <a:off x="5045886" y="2461563"/>
+            <a:ext cx="1444626" cy="369332"/>
+          </a:xfrm>
+          <a:prstGeom prst="rect">
+            <a:avLst/>
+          </a:prstGeom>
+          <a:noFill/>
+        </p:spPr>
+        <p:txBody>
+          <a:bodyPr wrap="none" rtlCol="0">
+            <a:spAutoFit/>
+          </a:bodyPr>
+          <a:lstStyle/>
+          <a:p>
+            <a:r>
+              <a:rPr lang="en-US" dirty="0"/>
+              <a:t>Thread pool</a:t>
+            </a:r>
+          </a:p>
+        </p:txBody>
+      </p:sp>
+      <p:sp>
+        <p:nvSpPr>
+          <p:cNvPr id="45" name="TextBox 44">
+            <a:extLst>
+              <a:ext uri="{FF2B5EF4-FFF2-40B4-BE49-F238E27FC236}">
+                <a16:creationId xmlns:a16="http://schemas.microsoft.com/office/drawing/2014/main" id="{BB104FE0-6971-46C2-8592-D12BCA9BE0A8}"/>
+              </a:ext>
+            </a:extLst>
+          </p:cNvPr>
+          <p:cNvSpPr txBox="1"/>
+          <p:nvPr/>
+        </p:nvSpPr>
+        <p:spPr>
+          <a:xfrm>
+            <a:off x="9039279" y="2809614"/>
+            <a:ext cx="444352" cy="369332"/>
+          </a:xfrm>
+          <a:prstGeom prst="rect">
+            <a:avLst/>
+          </a:prstGeom>
+          <a:noFill/>
+        </p:spPr>
+        <p:txBody>
+          <a:bodyPr wrap="none" rtlCol="0">
+            <a:spAutoFit/>
+          </a:bodyPr>
+          <a:lstStyle/>
+          <a:p>
+            <a:r>
+              <a:rPr lang="pt-PT" dirty="0"/>
+              <a:t>T2</a:t>
+            </a:r>
+            <a:endParaRPr lang="en-US" dirty="0"/>
+          </a:p>
+        </p:txBody>
+      </p:sp>
+      <p:sp>
+        <p:nvSpPr>
+          <p:cNvPr id="47" name="Speech Bubble: Rectangle with Corners Rounded 46">
+            <a:extLst>
+              <a:ext uri="{FF2B5EF4-FFF2-40B4-BE49-F238E27FC236}">
+                <a16:creationId xmlns:a16="http://schemas.microsoft.com/office/drawing/2014/main" id="{6B8E4E39-FC02-4F49-B39F-6253D89621A1}"/>
+              </a:ext>
+            </a:extLst>
+          </p:cNvPr>
+          <p:cNvSpPr/>
+          <p:nvPr/>
+        </p:nvSpPr>
+        <p:spPr>
+          <a:xfrm>
+            <a:off x="8621480" y="2367892"/>
+            <a:ext cx="1848814" cy="944182"/>
+          </a:xfrm>
+          <a:prstGeom prst="wedgeRoundRectCallout">
+            <a:avLst>
+              <a:gd name="adj1" fmla="val 20905"/>
+              <a:gd name="adj2" fmla="val 66752"/>
+              <a:gd name="adj3" fmla="val 16667"/>
+            </a:avLst>
+          </a:prstGeom>
+          <a:noFill/>
+          <a:ln w="9525" cap="flat" cmpd="sng" algn="ctr">
+            <a:solidFill>
+              <a:schemeClr val="dk1"/>
+            </a:solidFill>
+            <a:prstDash val="solid"/>
+            <a:round/>
+            <a:headEnd type="none" w="med" len="med"/>
+            <a:tailEnd type="none" w="med" len="med"/>
+          </a:ln>
+        </p:spPr>
+        <p:style>
+          <a:lnRef idx="0">
+            <a:scrgbClr r="0" g="0" b="0"/>
+          </a:lnRef>
+          <a:fillRef idx="0">
+            <a:scrgbClr r="0" g="0" b="0"/>
+          </a:fillRef>
+          <a:effectRef idx="0">
+            <a:scrgbClr r="0" g="0" b="0"/>
+          </a:effectRef>
+          <a:fontRef idx="minor">
+            <a:schemeClr val="dk1"/>
+          </a:fontRef>
+        </p:style>
+        <p:txBody>
+          <a:bodyPr rtlCol="0" anchor="ctr"/>
+          <a:lstStyle/>
+          <a:p>
+            <a:pPr algn="ctr"/>
+            <a:endParaRPr lang="en-US"/>
+          </a:p>
+        </p:txBody>
+      </p:sp>
+      <p:sp>
+        <p:nvSpPr>
+          <p:cNvPr id="48" name="TextBox 47">
+            <a:extLst>
+              <a:ext uri="{FF2B5EF4-FFF2-40B4-BE49-F238E27FC236}">
+                <a16:creationId xmlns:a16="http://schemas.microsoft.com/office/drawing/2014/main" id="{1192723B-C84F-4909-BD0F-60CFBC53A4CA}"/>
+              </a:ext>
+            </a:extLst>
+          </p:cNvPr>
+          <p:cNvSpPr txBox="1"/>
+          <p:nvPr/>
+        </p:nvSpPr>
+        <p:spPr>
+          <a:xfrm>
+            <a:off x="8606366" y="2436393"/>
+            <a:ext cx="1879041" cy="369332"/>
+          </a:xfrm>
+          <a:prstGeom prst="rect">
+            <a:avLst/>
+          </a:prstGeom>
+          <a:noFill/>
+        </p:spPr>
+        <p:txBody>
+          <a:bodyPr wrap="none" rtlCol="0">
+            <a:spAutoFit/>
+          </a:bodyPr>
+          <a:lstStyle/>
+          <a:p>
+            <a:r>
+              <a:rPr lang="pt-PT" dirty="0"/>
+              <a:t>B</a:t>
+            </a:r>
+            <a:r>
+              <a:rPr lang="en-US" dirty="0"/>
+              <a:t>locked threads</a:t>
+            </a:r>
+          </a:p>
+        </p:txBody>
+      </p:sp>
+      <p:sp>
+        <p:nvSpPr>
+          <p:cNvPr id="7" name="Speech Bubble: Rectangle with Corners Rounded 6">
+            <a:extLst>
+              <a:ext uri="{FF2B5EF4-FFF2-40B4-BE49-F238E27FC236}">
+                <a16:creationId xmlns:a16="http://schemas.microsoft.com/office/drawing/2014/main" id="{1538B982-357F-4AC9-93FA-1466AD48C57E}"/>
+              </a:ext>
+            </a:extLst>
+          </p:cNvPr>
+          <p:cNvSpPr/>
+          <p:nvPr/>
+        </p:nvSpPr>
+        <p:spPr>
+          <a:xfrm rot="10800000">
+            <a:off x="4659256" y="5251564"/>
+            <a:ext cx="1955300" cy="904776"/>
+          </a:xfrm>
+          <a:prstGeom prst="wedgeRoundRectCallout">
+            <a:avLst/>
+          </a:prstGeom>
+          <a:noFill/>
+          <a:ln w="9525" cap="flat" cmpd="sng" algn="ctr">
+            <a:solidFill>
+              <a:schemeClr val="dk1"/>
+            </a:solidFill>
+            <a:prstDash val="solid"/>
+            <a:round/>
+            <a:headEnd type="none" w="med" len="med"/>
+            <a:tailEnd type="none" w="med" len="med"/>
+          </a:ln>
+        </p:spPr>
+        <p:style>
+          <a:lnRef idx="0">
+            <a:scrgbClr r="0" g="0" b="0"/>
+          </a:lnRef>
+          <a:fillRef idx="0">
+            <a:scrgbClr r="0" g="0" b="0"/>
+          </a:fillRef>
+          <a:effectRef idx="0">
+            <a:scrgbClr r="0" g="0" b="0"/>
+          </a:effectRef>
+          <a:fontRef idx="minor">
+            <a:schemeClr val="dk1"/>
+          </a:fontRef>
+        </p:style>
+        <p:txBody>
+          <a:bodyPr rtlCol="0" anchor="ctr"/>
+          <a:lstStyle/>
+          <a:p>
+            <a:pPr algn="ctr"/>
+            <a:endParaRPr lang="en-US"/>
+          </a:p>
+        </p:txBody>
+      </p:sp>
+      <p:sp>
+        <p:nvSpPr>
+          <p:cNvPr id="10" name="TextBox 9">
+            <a:extLst>
+              <a:ext uri="{FF2B5EF4-FFF2-40B4-BE49-F238E27FC236}">
+                <a16:creationId xmlns:a16="http://schemas.microsoft.com/office/drawing/2014/main" id="{E05DD10D-44FD-4DFF-BBBD-768D432FE69F}"/>
+              </a:ext>
+            </a:extLst>
+          </p:cNvPr>
+          <p:cNvSpPr txBox="1"/>
+          <p:nvPr/>
+        </p:nvSpPr>
+        <p:spPr>
+          <a:xfrm>
+            <a:off x="4641279" y="5334620"/>
+            <a:ext cx="1991251" cy="369332"/>
+          </a:xfrm>
+          <a:prstGeom prst="rect">
+            <a:avLst/>
+          </a:prstGeom>
+          <a:noFill/>
+        </p:spPr>
+        <p:txBody>
+          <a:bodyPr wrap="none" rtlCol="0">
+            <a:spAutoFit/>
+          </a:bodyPr>
+          <a:lstStyle/>
+          <a:p>
+            <a:r>
+              <a:rPr lang="en-US" dirty="0"/>
+              <a:t>Blocked requests</a:t>
+            </a:r>
+          </a:p>
+        </p:txBody>
+      </p:sp>
+      <p:cxnSp>
+        <p:nvCxnSpPr>
+          <p:cNvPr id="27" name="Straight Arrow Connector 26">
+            <a:extLst>
+              <a:ext uri="{FF2B5EF4-FFF2-40B4-BE49-F238E27FC236}">
+                <a16:creationId xmlns:a16="http://schemas.microsoft.com/office/drawing/2014/main" id="{7E72B306-1145-401B-84FC-816808FBA0AD}"/>
+              </a:ext>
+            </a:extLst>
+          </p:cNvPr>
+          <p:cNvCxnSpPr>
+            <a:cxnSpLocks/>
+            <a:stCxn id="5" idx="3"/>
+            <a:endCxn id="6" idx="1"/>
+          </p:cNvCxnSpPr>
+          <p:nvPr/>
+        </p:nvCxnSpPr>
+        <p:spPr>
+          <a:xfrm>
+            <a:off x="6823528" y="4271430"/>
+            <a:ext cx="3090272" cy="0"/>
+          </a:xfrm>
+          <a:prstGeom prst="straightConnector1">
+            <a:avLst/>
+          </a:prstGeom>
+          <a:ln w="25400">
+            <a:tailEnd type="triangle"/>
+          </a:ln>
+        </p:spPr>
+        <p:style>
+          <a:lnRef idx="1">
+            <a:schemeClr val="dk1"/>
+          </a:lnRef>
+          <a:fillRef idx="0">
+            <a:schemeClr val="dk1"/>
+          </a:fillRef>
+          <a:effectRef idx="0">
+            <a:schemeClr val="dk1"/>
+          </a:effectRef>
+          <a:fontRef idx="minor">
+            <a:schemeClr val="tx1"/>
+          </a:fontRef>
+        </p:style>
+      </p:cxnSp>
+    </p:spTree>
+    <p:extLst>
+      <p:ext uri="{BB962C8B-B14F-4D97-AF65-F5344CB8AC3E}">
+        <p14:creationId xmlns:p14="http://schemas.microsoft.com/office/powerpoint/2010/main" val="1414736612"/>
+      </p:ext>
+    </p:extLst>
+  </p:cSld>
+  <p:clrMapOvr>
+    <a:masterClrMapping/>
+  </p:clrMapOvr>
+  <p:timing>
+    <p:tnLst>
+      <p:par>
+        <p:cTn id="1" dur="indefinite" restart="never" nodeType="tmRoot">
+          <p:childTnLst>
+            <p:seq concurrent="1" nextAc="seek">
+              <p:cTn id="2" dur="indefinite" nodeType="mainSeq">
+                <p:childTnLst>
+                  <p:par>
+                    <p:cTn id="3" fill="hold">
+                      <p:stCondLst>
+                        <p:cond delay="indefinite"/>
+                        <p:cond evt="onBegin" delay="0">
+                          <p:tn val="2"/>
+                        </p:cond>
+                      </p:stCondLst>
+                      <p:childTnLst>
+                        <p:par>
+                          <p:cTn id="4" fill="hold">
+                            <p:stCondLst>
+                              <p:cond delay="0"/>
+                            </p:stCondLst>
+                            <p:childTnLst>
+                              <p:par>
+                                <p:cTn id="5" presetID="10" presetClass="entr" presetSubtype="0" fill="hold" nodeType="withEffect">
+                                  <p:stCondLst>
+                                    <p:cond delay="0"/>
+                                  </p:stCondLst>
+                                  <p:childTnLst>
+                                    <p:set>
+                                      <p:cBhvr>
+                                        <p:cTn id="6" dur="1" fill="hold">
+                                          <p:stCondLst>
+                                            <p:cond delay="0"/>
+                                          </p:stCondLst>
+                                        </p:cTn>
+                                        <p:tgtEl>
+                                          <p:spTgt spid="27"/>
+                                        </p:tgtEl>
+                                        <p:attrNameLst>
+                                          <p:attrName>style.visibility</p:attrName>
+                                        </p:attrNameLst>
+                                      </p:cBhvr>
+                                      <p:to>
+                                        <p:strVal val="visible"/>
+                                      </p:to>
+                                    </p:set>
+                                    <p:animEffect transition="in" filter="fade">
+                                      <p:cBhvr>
+                                        <p:cTn id="7" dur="500"/>
+                                        <p:tgtEl>
+                                          <p:spTgt spid="27"/>
+                                        </p:tgtEl>
+                                      </p:cBhvr>
+                                    </p:animEffect>
+                                  </p:childTnLst>
+                                </p:cTn>
+                              </p:par>
+                            </p:childTnLst>
+                          </p:cTn>
+                        </p:par>
+                      </p:childTnLst>
+                    </p:cTn>
+                  </p:par>
+                  <p:par>
+                    <p:cTn id="8" fill="hold">
+                      <p:stCondLst>
+                        <p:cond delay="indefinite"/>
+                      </p:stCondLst>
+                      <p:childTnLst>
+                        <p:par>
+                          <p:cTn id="9" fill="hold">
+                            <p:stCondLst>
+                              <p:cond delay="0"/>
+                            </p:stCondLst>
+                            <p:childTnLst>
+                              <p:par>
+                                <p:cTn id="10" presetID="10" presetClass="entr" presetSubtype="0" fill="hold" grpId="0" nodeType="clickEffect">
+                                  <p:stCondLst>
+                                    <p:cond delay="0"/>
+                                  </p:stCondLst>
+                                  <p:childTnLst>
+                                    <p:set>
+                                      <p:cBhvr>
+                                        <p:cTn id="11" dur="1" fill="hold">
+                                          <p:stCondLst>
+                                            <p:cond delay="0"/>
+                                          </p:stCondLst>
+                                        </p:cTn>
+                                        <p:tgtEl>
+                                          <p:spTgt spid="32"/>
+                                        </p:tgtEl>
+                                        <p:attrNameLst>
+                                          <p:attrName>style.visibility</p:attrName>
+                                        </p:attrNameLst>
+                                      </p:cBhvr>
+                                      <p:to>
+                                        <p:strVal val="visible"/>
+                                      </p:to>
+                                    </p:set>
+                                    <p:animEffect transition="in" filter="fade">
+                                      <p:cBhvr>
+                                        <p:cTn id="12" dur="500"/>
+                                        <p:tgtEl>
+                                          <p:spTgt spid="32"/>
+                                        </p:tgtEl>
+                                      </p:cBhvr>
+                                    </p:animEffect>
+                                  </p:childTnLst>
+                                </p:cTn>
+                              </p:par>
+                            </p:childTnLst>
+                          </p:cTn>
+                        </p:par>
+                      </p:childTnLst>
+                    </p:cTn>
+                  </p:par>
+                </p:childTnLst>
+              </p:cTn>
+              <p:prevCondLst>
+                <p:cond evt="onPrev" delay="0">
+                  <p:tgtEl>
+                    <p:sldTgt/>
+                  </p:tgtEl>
+                </p:cond>
+              </p:prevCondLst>
+              <p:nextCondLst>
+                <p:cond evt="onNext" delay="0">
+                  <p:tgtEl>
+                    <p:sldTgt/>
+                  </p:tgtEl>
+                </p:cond>
+              </p:nextCondLst>
+            </p:seq>
+          </p:childTnLst>
+        </p:cTn>
+      </p:par>
+    </p:tnLst>
+    <p:bldLst>
+      <p:bldP spid="32" grpId="0"/>
+    </p:bldLst>
+  </p:timing>
+</p:sld>
+</file>
+
 <file path=ppt/theme/theme1.xml><?xml version="1.0" encoding="utf-8"?>
 <a:theme xmlns:a="http://schemas.openxmlformats.org/drawingml/2006/main" name="Office Theme">
   <a:themeElements>
